--- a/trunk/De Cuong/bao cao luan van/slide 0.1.pptx
+++ b/trunk/De Cuong/bao cao luan van/slide 0.1.pptx
@@ -5,7 +5,7 @@
     <p:sldMasterId id="2147483648" r:id="rId1"/>
   </p:sldMasterIdLst>
   <p:notesMasterIdLst>
-    <p:notesMasterId r:id="rId11"/>
+    <p:notesMasterId r:id="rId12"/>
   </p:notesMasterIdLst>
   <p:sldIdLst>
     <p:sldId id="258" r:id="rId2"/>
@@ -15,8 +15,9 @@
     <p:sldId id="277" r:id="rId6"/>
     <p:sldId id="279" r:id="rId7"/>
     <p:sldId id="281" r:id="rId8"/>
-    <p:sldId id="284" r:id="rId9"/>
-    <p:sldId id="267" r:id="rId10"/>
+    <p:sldId id="298" r:id="rId9"/>
+    <p:sldId id="284" r:id="rId10"/>
+    <p:sldId id="267" r:id="rId11"/>
   </p:sldIdLst>
   <p:sldSz cx="9144000" cy="6858000" type="screen4x3"/>
   <p:notesSz cx="6858000" cy="9144000"/>
@@ -231,7 +232,7 @@
             <a:fld id="{3B14A4C4-CD5F-4363-9455-E1F0DAF53B53}" type="datetimeFigureOut">
               <a:rPr lang="en-US" smtClean="0"/>
               <a:pPr/>
-              <a:t>3/31/2011</a:t>
+              <a:t>4/3/2011</a:t>
             </a:fld>
             <a:endParaRPr lang="en-US"/>
           </a:p>
@@ -5275,6 +5276,163 @@
       <p:bldP spid="5" grpId="0" build="p"/>
       <p:bldP spid="6" grpId="0"/>
     </p:bldLst>
+  </p:timing>
+</p:sld>
+</file>
+
+<file path=ppt/slides/slide10.xml><?xml version="1.0" encoding="utf-8"?>
+<p:sld xmlns:a="http://schemas.openxmlformats.org/drawingml/2006/main" xmlns:r="http://schemas.openxmlformats.org/officeDocument/2006/relationships" xmlns:p="http://schemas.openxmlformats.org/presentationml/2006/main">
+  <p:cSld>
+    <p:spTree>
+      <p:nvGrpSpPr>
+        <p:cNvPr id="1" name=""/>
+        <p:cNvGrpSpPr/>
+        <p:nvPr/>
+      </p:nvGrpSpPr>
+      <p:grpSpPr>
+        <a:xfrm>
+          <a:off x="0" y="0"/>
+          <a:ext cx="0" cy="0"/>
+          <a:chOff x="0" y="0"/>
+          <a:chExt cx="0" cy="0"/>
+        </a:xfrm>
+      </p:grpSpPr>
+      <p:sp>
+        <p:nvSpPr>
+          <p:cNvPr id="28678" name="Rectangle 6"/>
+          <p:cNvSpPr>
+            <a:spLocks noGrp="1" noChangeArrowheads="1"/>
+          </p:cNvSpPr>
+          <p:nvPr>
+            <p:ph type="subTitle" idx="1"/>
+          </p:nvPr>
+        </p:nvSpPr>
+        <p:spPr>
+          <a:xfrm>
+            <a:off x="4887913" y="3962400"/>
+            <a:ext cx="3792537" cy="304800"/>
+          </a:xfrm>
+        </p:spPr>
+        <p:txBody>
+          <a:bodyPr/>
+          <a:lstStyle/>
+          <a:p>
+            <a:pPr algn="ctr">
+              <a:lnSpc>
+                <a:spcPct val="80000"/>
+              </a:lnSpc>
+            </a:pPr>
+            <a:endParaRPr lang="en-US" sz="1600" dirty="0"/>
+          </a:p>
+        </p:txBody>
+      </p:sp>
+      <p:sp>
+        <p:nvSpPr>
+          <p:cNvPr id="28679" name="WordArt 7"/>
+          <p:cNvSpPr>
+            <a:spLocks noChangeArrowheads="1" noChangeShapeType="1" noTextEdit="1"/>
+          </p:cNvSpPr>
+          <p:nvPr/>
+        </p:nvSpPr>
+        <p:spPr bwMode="gray">
+          <a:xfrm>
+            <a:off x="4800600" y="3124200"/>
+            <a:ext cx="3810000" cy="609600"/>
+          </a:xfrm>
+          <a:prstGeom prst="rect">
+            <a:avLst/>
+          </a:prstGeom>
+        </p:spPr>
+        <p:txBody>
+          <a:bodyPr wrap="none" fromWordArt="1">
+            <a:prstTxWarp prst="textDeflate">
+              <a:avLst>
+                <a:gd name="adj" fmla="val 0"/>
+              </a:avLst>
+            </a:prstTxWarp>
+          </a:bodyPr>
+          <a:lstStyle/>
+          <a:p>
+            <a:pPr algn="ctr"/>
+            <a:r>
+              <a:rPr lang="en-US" sz="5400" b="1" kern="10" dirty="0" smtClean="0">
+                <a:ln w="28575">
+                  <a:solidFill>
+                    <a:schemeClr val="tx1"/>
+                  </a:solidFill>
+                  <a:round/>
+                  <a:headEnd/>
+                  <a:tailEnd/>
+                </a:ln>
+                <a:gradFill rotWithShape="1">
+                  <a:gsLst>
+                    <a:gs pos="0">
+                      <a:schemeClr val="bg1"/>
+                    </a:gs>
+                    <a:gs pos="100000">
+                      <a:schemeClr val="accent2"/>
+                    </a:gs>
+                  </a:gsLst>
+                  <a:lin ang="5400000" scaled="1"/>
+                </a:gradFill>
+                <a:effectLst>
+                  <a:outerShdw dist="107763" dir="2700000" algn="ctr" rotWithShape="0">
+                    <a:srgbClr val="000000">
+                      <a:alpha val="50000"/>
+                    </a:srgbClr>
+                  </a:outerShdw>
+                </a:effectLst>
+                <a:latin typeface="Verdana"/>
+                <a:ea typeface="Verdana"/>
+                <a:cs typeface="Verdana"/>
+              </a:rPr>
+              <a:t>Xin cám ơn!</a:t>
+            </a:r>
+            <a:endParaRPr lang="en-US" sz="5400" b="1" kern="10" dirty="0">
+              <a:ln w="28575">
+                <a:solidFill>
+                  <a:schemeClr val="tx1"/>
+                </a:solidFill>
+                <a:round/>
+                <a:headEnd/>
+                <a:tailEnd/>
+              </a:ln>
+              <a:gradFill rotWithShape="1">
+                <a:gsLst>
+                  <a:gs pos="0">
+                    <a:schemeClr val="bg1"/>
+                  </a:gs>
+                  <a:gs pos="100000">
+                    <a:schemeClr val="accent2"/>
+                  </a:gs>
+                </a:gsLst>
+                <a:lin ang="5400000" scaled="1"/>
+              </a:gradFill>
+              <a:effectLst>
+                <a:outerShdw dist="107763" dir="2700000" algn="ctr" rotWithShape="0">
+                  <a:srgbClr val="000000">
+                    <a:alpha val="50000"/>
+                  </a:srgbClr>
+                </a:outerShdw>
+              </a:effectLst>
+              <a:latin typeface="Verdana"/>
+              <a:ea typeface="Verdana"/>
+              <a:cs typeface="Verdana"/>
+            </a:endParaRPr>
+          </a:p>
+        </p:txBody>
+      </p:sp>
+    </p:spTree>
+  </p:cSld>
+  <p:clrMapOvr>
+    <a:masterClrMapping/>
+  </p:clrMapOvr>
+  <p:timing>
+    <p:tnLst>
+      <p:par>
+        <p:cTn id="1" dur="indefinite" restart="never" nodeType="tmRoot"/>
+      </p:par>
+    </p:tnLst>
   </p:timing>
 </p:sld>
 </file>
@@ -8740,7 +8898,236 @@
   <p:timing>
     <p:tnLst>
       <p:par>
-        <p:cTn id="1" dur="indefinite" restart="never" nodeType="tmRoot"/>
+        <p:cTn id="1" dur="indefinite" restart="never" nodeType="tmRoot">
+          <p:childTnLst>
+            <p:seq concurrent="1" nextAc="seek">
+              <p:cTn id="2" dur="indefinite" nodeType="mainSeq">
+                <p:childTnLst>
+                  <p:par>
+                    <p:cTn id="3" fill="hold">
+                      <p:stCondLst>
+                        <p:cond delay="indefinite"/>
+                      </p:stCondLst>
+                      <p:childTnLst>
+                        <p:par>
+                          <p:cTn id="4" fill="hold">
+                            <p:stCondLst>
+                              <p:cond delay="0"/>
+                            </p:stCondLst>
+                            <p:childTnLst>
+                              <p:par>
+                                <p:cTn id="5" presetID="2" presetClass="entr" presetSubtype="4" fill="hold" nodeType="clickEffect">
+                                  <p:stCondLst>
+                                    <p:cond delay="0"/>
+                                  </p:stCondLst>
+                                  <p:childTnLst>
+                                    <p:set>
+                                      <p:cBhvr>
+                                        <p:cTn id="6" dur="1" fill="hold">
+                                          <p:stCondLst>
+                                            <p:cond delay="0"/>
+                                          </p:stCondLst>
+                                        </p:cTn>
+                                        <p:tgtEl>
+                                          <p:spTgt spid="3">
+                                            <p:txEl>
+                                              <p:pRg st="0" end="0"/>
+                                            </p:txEl>
+                                          </p:spTgt>
+                                        </p:tgtEl>
+                                        <p:attrNameLst>
+                                          <p:attrName>style.visibility</p:attrName>
+                                        </p:attrNameLst>
+                                      </p:cBhvr>
+                                      <p:to>
+                                        <p:strVal val="visible"/>
+                                      </p:to>
+                                    </p:set>
+                                    <p:anim calcmode="lin" valueType="num">
+                                      <p:cBhvr additive="base">
+                                        <p:cTn id="7" dur="500" fill="hold"/>
+                                        <p:tgtEl>
+                                          <p:spTgt spid="3">
+                                            <p:txEl>
+                                              <p:pRg st="0" end="0"/>
+                                            </p:txEl>
+                                          </p:spTgt>
+                                        </p:tgtEl>
+                                        <p:attrNameLst>
+                                          <p:attrName>ppt_x</p:attrName>
+                                        </p:attrNameLst>
+                                      </p:cBhvr>
+                                      <p:tavLst>
+                                        <p:tav tm="0">
+                                          <p:val>
+                                            <p:strVal val="#ppt_x"/>
+                                          </p:val>
+                                        </p:tav>
+                                        <p:tav tm="100000">
+                                          <p:val>
+                                            <p:strVal val="#ppt_x"/>
+                                          </p:val>
+                                        </p:tav>
+                                      </p:tavLst>
+                                    </p:anim>
+                                    <p:anim calcmode="lin" valueType="num">
+                                      <p:cBhvr additive="base">
+                                        <p:cTn id="8" dur="500" fill="hold"/>
+                                        <p:tgtEl>
+                                          <p:spTgt spid="3">
+                                            <p:txEl>
+                                              <p:pRg st="0" end="0"/>
+                                            </p:txEl>
+                                          </p:spTgt>
+                                        </p:tgtEl>
+                                        <p:attrNameLst>
+                                          <p:attrName>ppt_y</p:attrName>
+                                        </p:attrNameLst>
+                                      </p:cBhvr>
+                                      <p:tavLst>
+                                        <p:tav tm="0">
+                                          <p:val>
+                                            <p:strVal val="1+#ppt_h/2"/>
+                                          </p:val>
+                                        </p:tav>
+                                        <p:tav tm="100000">
+                                          <p:val>
+                                            <p:strVal val="#ppt_y"/>
+                                          </p:val>
+                                        </p:tav>
+                                      </p:tavLst>
+                                    </p:anim>
+                                  </p:childTnLst>
+                                </p:cTn>
+                              </p:par>
+                            </p:childTnLst>
+                          </p:cTn>
+                        </p:par>
+                      </p:childTnLst>
+                    </p:cTn>
+                  </p:par>
+                  <p:par>
+                    <p:cTn id="9" fill="hold">
+                      <p:stCondLst>
+                        <p:cond delay="indefinite"/>
+                      </p:stCondLst>
+                      <p:childTnLst>
+                        <p:par>
+                          <p:cTn id="10" fill="hold">
+                            <p:stCondLst>
+                              <p:cond delay="0"/>
+                            </p:stCondLst>
+                            <p:childTnLst>
+                              <p:par>
+                                <p:cTn id="11" presetID="2" presetClass="entr" presetSubtype="4" fill="hold" nodeType="clickEffect">
+                                  <p:stCondLst>
+                                    <p:cond delay="0"/>
+                                  </p:stCondLst>
+                                  <p:childTnLst>
+                                    <p:set>
+                                      <p:cBhvr>
+                                        <p:cTn id="12" dur="1" fill="hold">
+                                          <p:stCondLst>
+                                            <p:cond delay="0"/>
+                                          </p:stCondLst>
+                                        </p:cTn>
+                                        <p:tgtEl>
+                                          <p:spTgt spid="3">
+                                            <p:txEl>
+                                              <p:pRg st="1" end="1"/>
+                                            </p:txEl>
+                                          </p:spTgt>
+                                        </p:tgtEl>
+                                        <p:attrNameLst>
+                                          <p:attrName>style.visibility</p:attrName>
+                                        </p:attrNameLst>
+                                      </p:cBhvr>
+                                      <p:to>
+                                        <p:strVal val="visible"/>
+                                      </p:to>
+                                    </p:set>
+                                    <p:anim calcmode="lin" valueType="num">
+                                      <p:cBhvr additive="base">
+                                        <p:cTn id="13" dur="500" fill="hold"/>
+                                        <p:tgtEl>
+                                          <p:spTgt spid="3">
+                                            <p:txEl>
+                                              <p:pRg st="1" end="1"/>
+                                            </p:txEl>
+                                          </p:spTgt>
+                                        </p:tgtEl>
+                                        <p:attrNameLst>
+                                          <p:attrName>ppt_x</p:attrName>
+                                        </p:attrNameLst>
+                                      </p:cBhvr>
+                                      <p:tavLst>
+                                        <p:tav tm="0">
+                                          <p:val>
+                                            <p:strVal val="#ppt_x"/>
+                                          </p:val>
+                                        </p:tav>
+                                        <p:tav tm="100000">
+                                          <p:val>
+                                            <p:strVal val="#ppt_x"/>
+                                          </p:val>
+                                        </p:tav>
+                                      </p:tavLst>
+                                    </p:anim>
+                                    <p:anim calcmode="lin" valueType="num">
+                                      <p:cBhvr additive="base">
+                                        <p:cTn id="14" dur="500" fill="hold"/>
+                                        <p:tgtEl>
+                                          <p:spTgt spid="3">
+                                            <p:txEl>
+                                              <p:pRg st="1" end="1"/>
+                                            </p:txEl>
+                                          </p:spTgt>
+                                        </p:tgtEl>
+                                        <p:attrNameLst>
+                                          <p:attrName>ppt_y</p:attrName>
+                                        </p:attrNameLst>
+                                      </p:cBhvr>
+                                      <p:tavLst>
+                                        <p:tav tm="0">
+                                          <p:val>
+                                            <p:strVal val="1+#ppt_h/2"/>
+                                          </p:val>
+                                        </p:tav>
+                                        <p:tav tm="100000">
+                                          <p:val>
+                                            <p:strVal val="#ppt_y"/>
+                                          </p:val>
+                                        </p:tav>
+                                      </p:tavLst>
+                                    </p:anim>
+                                  </p:childTnLst>
+                                </p:cTn>
+                              </p:par>
+                            </p:childTnLst>
+                          </p:cTn>
+                        </p:par>
+                      </p:childTnLst>
+                    </p:cTn>
+                  </p:par>
+                </p:childTnLst>
+              </p:cTn>
+              <p:prevCondLst>
+                <p:cond evt="onPrev" delay="0">
+                  <p:tgtEl>
+                    <p:sldTgt/>
+                  </p:tgtEl>
+                </p:cond>
+              </p:prevCondLst>
+              <p:nextCondLst>
+                <p:cond evt="onNext" delay="0">
+                  <p:tgtEl>
+                    <p:sldTgt/>
+                  </p:tgtEl>
+                </p:cond>
+              </p:nextCondLst>
+            </p:seq>
+          </p:childTnLst>
+        </p:cTn>
       </p:par>
     </p:tnLst>
   </p:timing>
@@ -8838,7 +9225,236 @@
   <p:timing>
     <p:tnLst>
       <p:par>
-        <p:cTn id="1" dur="indefinite" restart="never" nodeType="tmRoot"/>
+        <p:cTn id="1" dur="indefinite" restart="never" nodeType="tmRoot">
+          <p:childTnLst>
+            <p:seq concurrent="1" nextAc="seek">
+              <p:cTn id="2" dur="indefinite" nodeType="mainSeq">
+                <p:childTnLst>
+                  <p:par>
+                    <p:cTn id="3" fill="hold">
+                      <p:stCondLst>
+                        <p:cond delay="indefinite"/>
+                      </p:stCondLst>
+                      <p:childTnLst>
+                        <p:par>
+                          <p:cTn id="4" fill="hold">
+                            <p:stCondLst>
+                              <p:cond delay="0"/>
+                            </p:stCondLst>
+                            <p:childTnLst>
+                              <p:par>
+                                <p:cTn id="5" presetID="2" presetClass="entr" presetSubtype="4" fill="hold" nodeType="clickEffect">
+                                  <p:stCondLst>
+                                    <p:cond delay="0"/>
+                                  </p:stCondLst>
+                                  <p:childTnLst>
+                                    <p:set>
+                                      <p:cBhvr>
+                                        <p:cTn id="6" dur="1" fill="hold">
+                                          <p:stCondLst>
+                                            <p:cond delay="0"/>
+                                          </p:stCondLst>
+                                        </p:cTn>
+                                        <p:tgtEl>
+                                          <p:spTgt spid="3">
+                                            <p:txEl>
+                                              <p:pRg st="0" end="0"/>
+                                            </p:txEl>
+                                          </p:spTgt>
+                                        </p:tgtEl>
+                                        <p:attrNameLst>
+                                          <p:attrName>style.visibility</p:attrName>
+                                        </p:attrNameLst>
+                                      </p:cBhvr>
+                                      <p:to>
+                                        <p:strVal val="visible"/>
+                                      </p:to>
+                                    </p:set>
+                                    <p:anim calcmode="lin" valueType="num">
+                                      <p:cBhvr additive="base">
+                                        <p:cTn id="7" dur="500" fill="hold"/>
+                                        <p:tgtEl>
+                                          <p:spTgt spid="3">
+                                            <p:txEl>
+                                              <p:pRg st="0" end="0"/>
+                                            </p:txEl>
+                                          </p:spTgt>
+                                        </p:tgtEl>
+                                        <p:attrNameLst>
+                                          <p:attrName>ppt_x</p:attrName>
+                                        </p:attrNameLst>
+                                      </p:cBhvr>
+                                      <p:tavLst>
+                                        <p:tav tm="0">
+                                          <p:val>
+                                            <p:strVal val="#ppt_x"/>
+                                          </p:val>
+                                        </p:tav>
+                                        <p:tav tm="100000">
+                                          <p:val>
+                                            <p:strVal val="#ppt_x"/>
+                                          </p:val>
+                                        </p:tav>
+                                      </p:tavLst>
+                                    </p:anim>
+                                    <p:anim calcmode="lin" valueType="num">
+                                      <p:cBhvr additive="base">
+                                        <p:cTn id="8" dur="500" fill="hold"/>
+                                        <p:tgtEl>
+                                          <p:spTgt spid="3">
+                                            <p:txEl>
+                                              <p:pRg st="0" end="0"/>
+                                            </p:txEl>
+                                          </p:spTgt>
+                                        </p:tgtEl>
+                                        <p:attrNameLst>
+                                          <p:attrName>ppt_y</p:attrName>
+                                        </p:attrNameLst>
+                                      </p:cBhvr>
+                                      <p:tavLst>
+                                        <p:tav tm="0">
+                                          <p:val>
+                                            <p:strVal val="1+#ppt_h/2"/>
+                                          </p:val>
+                                        </p:tav>
+                                        <p:tav tm="100000">
+                                          <p:val>
+                                            <p:strVal val="#ppt_y"/>
+                                          </p:val>
+                                        </p:tav>
+                                      </p:tavLst>
+                                    </p:anim>
+                                  </p:childTnLst>
+                                </p:cTn>
+                              </p:par>
+                            </p:childTnLst>
+                          </p:cTn>
+                        </p:par>
+                      </p:childTnLst>
+                    </p:cTn>
+                  </p:par>
+                  <p:par>
+                    <p:cTn id="9" fill="hold">
+                      <p:stCondLst>
+                        <p:cond delay="indefinite"/>
+                      </p:stCondLst>
+                      <p:childTnLst>
+                        <p:par>
+                          <p:cTn id="10" fill="hold">
+                            <p:stCondLst>
+                              <p:cond delay="0"/>
+                            </p:stCondLst>
+                            <p:childTnLst>
+                              <p:par>
+                                <p:cTn id="11" presetID="2" presetClass="entr" presetSubtype="4" fill="hold" nodeType="clickEffect">
+                                  <p:stCondLst>
+                                    <p:cond delay="0"/>
+                                  </p:stCondLst>
+                                  <p:childTnLst>
+                                    <p:set>
+                                      <p:cBhvr>
+                                        <p:cTn id="12" dur="1" fill="hold">
+                                          <p:stCondLst>
+                                            <p:cond delay="0"/>
+                                          </p:stCondLst>
+                                        </p:cTn>
+                                        <p:tgtEl>
+                                          <p:spTgt spid="3">
+                                            <p:txEl>
+                                              <p:pRg st="1" end="1"/>
+                                            </p:txEl>
+                                          </p:spTgt>
+                                        </p:tgtEl>
+                                        <p:attrNameLst>
+                                          <p:attrName>style.visibility</p:attrName>
+                                        </p:attrNameLst>
+                                      </p:cBhvr>
+                                      <p:to>
+                                        <p:strVal val="visible"/>
+                                      </p:to>
+                                    </p:set>
+                                    <p:anim calcmode="lin" valueType="num">
+                                      <p:cBhvr additive="base">
+                                        <p:cTn id="13" dur="500" fill="hold"/>
+                                        <p:tgtEl>
+                                          <p:spTgt spid="3">
+                                            <p:txEl>
+                                              <p:pRg st="1" end="1"/>
+                                            </p:txEl>
+                                          </p:spTgt>
+                                        </p:tgtEl>
+                                        <p:attrNameLst>
+                                          <p:attrName>ppt_x</p:attrName>
+                                        </p:attrNameLst>
+                                      </p:cBhvr>
+                                      <p:tavLst>
+                                        <p:tav tm="0">
+                                          <p:val>
+                                            <p:strVal val="#ppt_x"/>
+                                          </p:val>
+                                        </p:tav>
+                                        <p:tav tm="100000">
+                                          <p:val>
+                                            <p:strVal val="#ppt_x"/>
+                                          </p:val>
+                                        </p:tav>
+                                      </p:tavLst>
+                                    </p:anim>
+                                    <p:anim calcmode="lin" valueType="num">
+                                      <p:cBhvr additive="base">
+                                        <p:cTn id="14" dur="500" fill="hold"/>
+                                        <p:tgtEl>
+                                          <p:spTgt spid="3">
+                                            <p:txEl>
+                                              <p:pRg st="1" end="1"/>
+                                            </p:txEl>
+                                          </p:spTgt>
+                                        </p:tgtEl>
+                                        <p:attrNameLst>
+                                          <p:attrName>ppt_y</p:attrName>
+                                        </p:attrNameLst>
+                                      </p:cBhvr>
+                                      <p:tavLst>
+                                        <p:tav tm="0">
+                                          <p:val>
+                                            <p:strVal val="1+#ppt_h/2"/>
+                                          </p:val>
+                                        </p:tav>
+                                        <p:tav tm="100000">
+                                          <p:val>
+                                            <p:strVal val="#ppt_y"/>
+                                          </p:val>
+                                        </p:tav>
+                                      </p:tavLst>
+                                    </p:anim>
+                                  </p:childTnLst>
+                                </p:cTn>
+                              </p:par>
+                            </p:childTnLst>
+                          </p:cTn>
+                        </p:par>
+                      </p:childTnLst>
+                    </p:cTn>
+                  </p:par>
+                </p:childTnLst>
+              </p:cTn>
+              <p:prevCondLst>
+                <p:cond evt="onPrev" delay="0">
+                  <p:tgtEl>
+                    <p:sldTgt/>
+                  </p:tgtEl>
+                </p:cond>
+              </p:prevCondLst>
+              <p:nextCondLst>
+                <p:cond evt="onNext" delay="0">
+                  <p:tgtEl>
+                    <p:sldTgt/>
+                  </p:tgtEl>
+                </p:cond>
+              </p:nextCondLst>
+            </p:seq>
+          </p:childTnLst>
+        </p:cTn>
       </p:par>
     </p:tnLst>
   </p:timing>
@@ -9384,6 +10000,345 @@
   <p:clrMapOvr>
     <a:masterClrMapping/>
   </p:clrMapOvr>
+  <p:timing>
+    <p:tnLst>
+      <p:par>
+        <p:cTn id="1" dur="indefinite" restart="never" nodeType="tmRoot">
+          <p:childTnLst>
+            <p:seq concurrent="1" nextAc="seek">
+              <p:cTn id="2" dur="indefinite" nodeType="mainSeq">
+                <p:childTnLst>
+                  <p:par>
+                    <p:cTn id="3" fill="hold">
+                      <p:stCondLst>
+                        <p:cond delay="indefinite"/>
+                      </p:stCondLst>
+                      <p:childTnLst>
+                        <p:par>
+                          <p:cTn id="4" fill="hold">
+                            <p:stCondLst>
+                              <p:cond delay="0"/>
+                            </p:stCondLst>
+                            <p:childTnLst>
+                              <p:par>
+                                <p:cTn id="5" presetID="2" presetClass="entr" presetSubtype="4" fill="hold" nodeType="clickEffect">
+                                  <p:stCondLst>
+                                    <p:cond delay="0"/>
+                                  </p:stCondLst>
+                                  <p:childTnLst>
+                                    <p:set>
+                                      <p:cBhvr>
+                                        <p:cTn id="6" dur="1" fill="hold">
+                                          <p:stCondLst>
+                                            <p:cond delay="0"/>
+                                          </p:stCondLst>
+                                        </p:cTn>
+                                        <p:tgtEl>
+                                          <p:spTgt spid="3">
+                                            <p:txEl>
+                                              <p:pRg st="0" end="0"/>
+                                            </p:txEl>
+                                          </p:spTgt>
+                                        </p:tgtEl>
+                                        <p:attrNameLst>
+                                          <p:attrName>style.visibility</p:attrName>
+                                        </p:attrNameLst>
+                                      </p:cBhvr>
+                                      <p:to>
+                                        <p:strVal val="visible"/>
+                                      </p:to>
+                                    </p:set>
+                                    <p:anim calcmode="lin" valueType="num">
+                                      <p:cBhvr additive="base">
+                                        <p:cTn id="7" dur="500" fill="hold"/>
+                                        <p:tgtEl>
+                                          <p:spTgt spid="3">
+                                            <p:txEl>
+                                              <p:pRg st="0" end="0"/>
+                                            </p:txEl>
+                                          </p:spTgt>
+                                        </p:tgtEl>
+                                        <p:attrNameLst>
+                                          <p:attrName>ppt_x</p:attrName>
+                                        </p:attrNameLst>
+                                      </p:cBhvr>
+                                      <p:tavLst>
+                                        <p:tav tm="0">
+                                          <p:val>
+                                            <p:strVal val="#ppt_x"/>
+                                          </p:val>
+                                        </p:tav>
+                                        <p:tav tm="100000">
+                                          <p:val>
+                                            <p:strVal val="#ppt_x"/>
+                                          </p:val>
+                                        </p:tav>
+                                      </p:tavLst>
+                                    </p:anim>
+                                    <p:anim calcmode="lin" valueType="num">
+                                      <p:cBhvr additive="base">
+                                        <p:cTn id="8" dur="500" fill="hold"/>
+                                        <p:tgtEl>
+                                          <p:spTgt spid="3">
+                                            <p:txEl>
+                                              <p:pRg st="0" end="0"/>
+                                            </p:txEl>
+                                          </p:spTgt>
+                                        </p:tgtEl>
+                                        <p:attrNameLst>
+                                          <p:attrName>ppt_y</p:attrName>
+                                        </p:attrNameLst>
+                                      </p:cBhvr>
+                                      <p:tavLst>
+                                        <p:tav tm="0">
+                                          <p:val>
+                                            <p:strVal val="1+#ppt_h/2"/>
+                                          </p:val>
+                                        </p:tav>
+                                        <p:tav tm="100000">
+                                          <p:val>
+                                            <p:strVal val="#ppt_y"/>
+                                          </p:val>
+                                        </p:tav>
+                                      </p:tavLst>
+                                    </p:anim>
+                                  </p:childTnLst>
+                                </p:cTn>
+                              </p:par>
+                            </p:childTnLst>
+                          </p:cTn>
+                        </p:par>
+                      </p:childTnLst>
+                    </p:cTn>
+                  </p:par>
+                  <p:par>
+                    <p:cTn id="9" fill="hold">
+                      <p:stCondLst>
+                        <p:cond delay="indefinite"/>
+                      </p:stCondLst>
+                      <p:childTnLst>
+                        <p:par>
+                          <p:cTn id="10" fill="hold">
+                            <p:stCondLst>
+                              <p:cond delay="0"/>
+                            </p:stCondLst>
+                            <p:childTnLst>
+                              <p:par>
+                                <p:cTn id="11" presetID="2" presetClass="entr" presetSubtype="4" fill="hold" nodeType="clickEffect">
+                                  <p:stCondLst>
+                                    <p:cond delay="0"/>
+                                  </p:stCondLst>
+                                  <p:childTnLst>
+                                    <p:set>
+                                      <p:cBhvr>
+                                        <p:cTn id="12" dur="1" fill="hold">
+                                          <p:stCondLst>
+                                            <p:cond delay="0"/>
+                                          </p:stCondLst>
+                                        </p:cTn>
+                                        <p:tgtEl>
+                                          <p:spTgt spid="3">
+                                            <p:txEl>
+                                              <p:pRg st="1" end="1"/>
+                                            </p:txEl>
+                                          </p:spTgt>
+                                        </p:tgtEl>
+                                        <p:attrNameLst>
+                                          <p:attrName>style.visibility</p:attrName>
+                                        </p:attrNameLst>
+                                      </p:cBhvr>
+                                      <p:to>
+                                        <p:strVal val="visible"/>
+                                      </p:to>
+                                    </p:set>
+                                    <p:anim calcmode="lin" valueType="num">
+                                      <p:cBhvr additive="base">
+                                        <p:cTn id="13" dur="500" fill="hold"/>
+                                        <p:tgtEl>
+                                          <p:spTgt spid="3">
+                                            <p:txEl>
+                                              <p:pRg st="1" end="1"/>
+                                            </p:txEl>
+                                          </p:spTgt>
+                                        </p:tgtEl>
+                                        <p:attrNameLst>
+                                          <p:attrName>ppt_x</p:attrName>
+                                        </p:attrNameLst>
+                                      </p:cBhvr>
+                                      <p:tavLst>
+                                        <p:tav tm="0">
+                                          <p:val>
+                                            <p:strVal val="#ppt_x"/>
+                                          </p:val>
+                                        </p:tav>
+                                        <p:tav tm="100000">
+                                          <p:val>
+                                            <p:strVal val="#ppt_x"/>
+                                          </p:val>
+                                        </p:tav>
+                                      </p:tavLst>
+                                    </p:anim>
+                                    <p:anim calcmode="lin" valueType="num">
+                                      <p:cBhvr additive="base">
+                                        <p:cTn id="14" dur="500" fill="hold"/>
+                                        <p:tgtEl>
+                                          <p:spTgt spid="3">
+                                            <p:txEl>
+                                              <p:pRg st="1" end="1"/>
+                                            </p:txEl>
+                                          </p:spTgt>
+                                        </p:tgtEl>
+                                        <p:attrNameLst>
+                                          <p:attrName>ppt_y</p:attrName>
+                                        </p:attrNameLst>
+                                      </p:cBhvr>
+                                      <p:tavLst>
+                                        <p:tav tm="0">
+                                          <p:val>
+                                            <p:strVal val="1+#ppt_h/2"/>
+                                          </p:val>
+                                        </p:tav>
+                                        <p:tav tm="100000">
+                                          <p:val>
+                                            <p:strVal val="#ppt_y"/>
+                                          </p:val>
+                                        </p:tav>
+                                      </p:tavLst>
+                                    </p:anim>
+                                  </p:childTnLst>
+                                </p:cTn>
+                              </p:par>
+                            </p:childTnLst>
+                          </p:cTn>
+                        </p:par>
+                      </p:childTnLst>
+                    </p:cTn>
+                  </p:par>
+                  <p:par>
+                    <p:cTn id="15" fill="hold">
+                      <p:stCondLst>
+                        <p:cond delay="indefinite"/>
+                      </p:stCondLst>
+                      <p:childTnLst>
+                        <p:par>
+                          <p:cTn id="16" fill="hold">
+                            <p:stCondLst>
+                              <p:cond delay="0"/>
+                            </p:stCondLst>
+                            <p:childTnLst>
+                              <p:par>
+                                <p:cTn id="17" presetID="2" presetClass="entr" presetSubtype="4" fill="hold" nodeType="clickEffect">
+                                  <p:stCondLst>
+                                    <p:cond delay="0"/>
+                                  </p:stCondLst>
+                                  <p:childTnLst>
+                                    <p:set>
+                                      <p:cBhvr>
+                                        <p:cTn id="18" dur="1" fill="hold">
+                                          <p:stCondLst>
+                                            <p:cond delay="0"/>
+                                          </p:stCondLst>
+                                        </p:cTn>
+                                        <p:tgtEl>
+                                          <p:spTgt spid="3">
+                                            <p:txEl>
+                                              <p:pRg st="2" end="2"/>
+                                            </p:txEl>
+                                          </p:spTgt>
+                                        </p:tgtEl>
+                                        <p:attrNameLst>
+                                          <p:attrName>style.visibility</p:attrName>
+                                        </p:attrNameLst>
+                                      </p:cBhvr>
+                                      <p:to>
+                                        <p:strVal val="visible"/>
+                                      </p:to>
+                                    </p:set>
+                                    <p:anim calcmode="lin" valueType="num">
+                                      <p:cBhvr additive="base">
+                                        <p:cTn id="19" dur="500" fill="hold"/>
+                                        <p:tgtEl>
+                                          <p:spTgt spid="3">
+                                            <p:txEl>
+                                              <p:pRg st="2" end="2"/>
+                                            </p:txEl>
+                                          </p:spTgt>
+                                        </p:tgtEl>
+                                        <p:attrNameLst>
+                                          <p:attrName>ppt_x</p:attrName>
+                                        </p:attrNameLst>
+                                      </p:cBhvr>
+                                      <p:tavLst>
+                                        <p:tav tm="0">
+                                          <p:val>
+                                            <p:strVal val="#ppt_x"/>
+                                          </p:val>
+                                        </p:tav>
+                                        <p:tav tm="100000">
+                                          <p:val>
+                                            <p:strVal val="#ppt_x"/>
+                                          </p:val>
+                                        </p:tav>
+                                      </p:tavLst>
+                                    </p:anim>
+                                    <p:anim calcmode="lin" valueType="num">
+                                      <p:cBhvr additive="base">
+                                        <p:cTn id="20" dur="500" fill="hold"/>
+                                        <p:tgtEl>
+                                          <p:spTgt spid="3">
+                                            <p:txEl>
+                                              <p:pRg st="2" end="2"/>
+                                            </p:txEl>
+                                          </p:spTgt>
+                                        </p:tgtEl>
+                                        <p:attrNameLst>
+                                          <p:attrName>ppt_y</p:attrName>
+                                        </p:attrNameLst>
+                                      </p:cBhvr>
+                                      <p:tavLst>
+                                        <p:tav tm="0">
+                                          <p:val>
+                                            <p:strVal val="1+#ppt_h/2"/>
+                                          </p:val>
+                                        </p:tav>
+                                        <p:tav tm="100000">
+                                          <p:val>
+                                            <p:strVal val="#ppt_y"/>
+                                          </p:val>
+                                        </p:tav>
+                                      </p:tavLst>
+                                    </p:anim>
+                                  </p:childTnLst>
+                                </p:cTn>
+                              </p:par>
+                            </p:childTnLst>
+                          </p:cTn>
+                        </p:par>
+                      </p:childTnLst>
+                    </p:cTn>
+                  </p:par>
+                </p:childTnLst>
+              </p:cTn>
+              <p:prevCondLst>
+                <p:cond evt="onPrev" delay="0">
+                  <p:tgtEl>
+                    <p:sldTgt/>
+                  </p:tgtEl>
+                </p:cond>
+              </p:prevCondLst>
+              <p:nextCondLst>
+                <p:cond evt="onNext" delay="0">
+                  <p:tgtEl>
+                    <p:sldTgt/>
+                  </p:tgtEl>
+                </p:cond>
+              </p:nextCondLst>
+            </p:seq>
+          </p:childTnLst>
+        </p:cTn>
+      </p:par>
+    </p:tnLst>
+  </p:timing>
 </p:sld>
 </file>
 
@@ -9669,6 +10624,407 @@
   <p:clrMapOvr>
     <a:masterClrMapping/>
   </p:clrMapOvr>
+  <p:timing>
+    <p:tnLst>
+      <p:par>
+        <p:cTn id="1" dur="indefinite" restart="never" nodeType="tmRoot">
+          <p:childTnLst>
+            <p:seq concurrent="1" nextAc="seek">
+              <p:cTn id="2" dur="indefinite" nodeType="mainSeq">
+                <p:childTnLst>
+                  <p:par>
+                    <p:cTn id="3" fill="hold">
+                      <p:stCondLst>
+                        <p:cond delay="indefinite"/>
+                      </p:stCondLst>
+                      <p:childTnLst>
+                        <p:par>
+                          <p:cTn id="4" fill="hold">
+                            <p:stCondLst>
+                              <p:cond delay="0"/>
+                            </p:stCondLst>
+                            <p:childTnLst>
+                              <p:par>
+                                <p:cTn id="5" presetID="2" presetClass="entr" presetSubtype="4" fill="hold" nodeType="clickEffect">
+                                  <p:stCondLst>
+                                    <p:cond delay="0"/>
+                                  </p:stCondLst>
+                                  <p:childTnLst>
+                                    <p:set>
+                                      <p:cBhvr>
+                                        <p:cTn id="6" dur="1" fill="hold">
+                                          <p:stCondLst>
+                                            <p:cond delay="0"/>
+                                          </p:stCondLst>
+                                        </p:cTn>
+                                        <p:tgtEl>
+                                          <p:spTgt spid="3">
+                                            <p:txEl>
+                                              <p:pRg st="0" end="0"/>
+                                            </p:txEl>
+                                          </p:spTgt>
+                                        </p:tgtEl>
+                                        <p:attrNameLst>
+                                          <p:attrName>style.visibility</p:attrName>
+                                        </p:attrNameLst>
+                                      </p:cBhvr>
+                                      <p:to>
+                                        <p:strVal val="visible"/>
+                                      </p:to>
+                                    </p:set>
+                                    <p:anim calcmode="lin" valueType="num">
+                                      <p:cBhvr additive="base">
+                                        <p:cTn id="7" dur="500" fill="hold"/>
+                                        <p:tgtEl>
+                                          <p:spTgt spid="3">
+                                            <p:txEl>
+                                              <p:pRg st="0" end="0"/>
+                                            </p:txEl>
+                                          </p:spTgt>
+                                        </p:tgtEl>
+                                        <p:attrNameLst>
+                                          <p:attrName>ppt_x</p:attrName>
+                                        </p:attrNameLst>
+                                      </p:cBhvr>
+                                      <p:tavLst>
+                                        <p:tav tm="0">
+                                          <p:val>
+                                            <p:strVal val="#ppt_x"/>
+                                          </p:val>
+                                        </p:tav>
+                                        <p:tav tm="100000">
+                                          <p:val>
+                                            <p:strVal val="#ppt_x"/>
+                                          </p:val>
+                                        </p:tav>
+                                      </p:tavLst>
+                                    </p:anim>
+                                    <p:anim calcmode="lin" valueType="num">
+                                      <p:cBhvr additive="base">
+                                        <p:cTn id="8" dur="500" fill="hold"/>
+                                        <p:tgtEl>
+                                          <p:spTgt spid="3">
+                                            <p:txEl>
+                                              <p:pRg st="0" end="0"/>
+                                            </p:txEl>
+                                          </p:spTgt>
+                                        </p:tgtEl>
+                                        <p:attrNameLst>
+                                          <p:attrName>ppt_y</p:attrName>
+                                        </p:attrNameLst>
+                                      </p:cBhvr>
+                                      <p:tavLst>
+                                        <p:tav tm="0">
+                                          <p:val>
+                                            <p:strVal val="1+#ppt_h/2"/>
+                                          </p:val>
+                                        </p:tav>
+                                        <p:tav tm="100000">
+                                          <p:val>
+                                            <p:strVal val="#ppt_y"/>
+                                          </p:val>
+                                        </p:tav>
+                                      </p:tavLst>
+                                    </p:anim>
+                                  </p:childTnLst>
+                                </p:cTn>
+                              </p:par>
+                            </p:childTnLst>
+                          </p:cTn>
+                        </p:par>
+                      </p:childTnLst>
+                    </p:cTn>
+                  </p:par>
+                  <p:par>
+                    <p:cTn id="9" fill="hold">
+                      <p:stCondLst>
+                        <p:cond delay="indefinite"/>
+                      </p:stCondLst>
+                      <p:childTnLst>
+                        <p:par>
+                          <p:cTn id="10" fill="hold">
+                            <p:stCondLst>
+                              <p:cond delay="0"/>
+                            </p:stCondLst>
+                            <p:childTnLst>
+                              <p:par>
+                                <p:cTn id="11" presetID="8" presetClass="entr" presetSubtype="16" fill="hold" nodeType="clickEffect">
+                                  <p:stCondLst>
+                                    <p:cond delay="0"/>
+                                  </p:stCondLst>
+                                  <p:childTnLst>
+                                    <p:set>
+                                      <p:cBhvr>
+                                        <p:cTn id="12" dur="1" fill="hold">
+                                          <p:stCondLst>
+                                            <p:cond delay="0"/>
+                                          </p:stCondLst>
+                                        </p:cTn>
+                                        <p:tgtEl>
+                                          <p:spTgt spid="3">
+                                            <p:txEl>
+                                              <p:pRg st="1" end="1"/>
+                                            </p:txEl>
+                                          </p:spTgt>
+                                        </p:tgtEl>
+                                        <p:attrNameLst>
+                                          <p:attrName>style.visibility</p:attrName>
+                                        </p:attrNameLst>
+                                      </p:cBhvr>
+                                      <p:to>
+                                        <p:strVal val="visible"/>
+                                      </p:to>
+                                    </p:set>
+                                    <p:animEffect transition="in" filter="diamond(in)">
+                                      <p:cBhvr>
+                                        <p:cTn id="13" dur="2000"/>
+                                        <p:tgtEl>
+                                          <p:spTgt spid="3">
+                                            <p:txEl>
+                                              <p:pRg st="1" end="1"/>
+                                            </p:txEl>
+                                          </p:spTgt>
+                                        </p:tgtEl>
+                                      </p:cBhvr>
+                                    </p:animEffect>
+                                  </p:childTnLst>
+                                </p:cTn>
+                              </p:par>
+                              <p:par>
+                                <p:cTn id="14" presetID="8" presetClass="entr" presetSubtype="16" fill="hold" nodeType="withEffect">
+                                  <p:stCondLst>
+                                    <p:cond delay="0"/>
+                                  </p:stCondLst>
+                                  <p:childTnLst>
+                                    <p:set>
+                                      <p:cBhvr>
+                                        <p:cTn id="15" dur="1" fill="hold">
+                                          <p:stCondLst>
+                                            <p:cond delay="0"/>
+                                          </p:stCondLst>
+                                        </p:cTn>
+                                        <p:tgtEl>
+                                          <p:spTgt spid="3">
+                                            <p:txEl>
+                                              <p:pRg st="2" end="2"/>
+                                            </p:txEl>
+                                          </p:spTgt>
+                                        </p:tgtEl>
+                                        <p:attrNameLst>
+                                          <p:attrName>style.visibility</p:attrName>
+                                        </p:attrNameLst>
+                                      </p:cBhvr>
+                                      <p:to>
+                                        <p:strVal val="visible"/>
+                                      </p:to>
+                                    </p:set>
+                                    <p:animEffect transition="in" filter="diamond(in)">
+                                      <p:cBhvr>
+                                        <p:cTn id="16" dur="2000"/>
+                                        <p:tgtEl>
+                                          <p:spTgt spid="3">
+                                            <p:txEl>
+                                              <p:pRg st="2" end="2"/>
+                                            </p:txEl>
+                                          </p:spTgt>
+                                        </p:tgtEl>
+                                      </p:cBhvr>
+                                    </p:animEffect>
+                                  </p:childTnLst>
+                                </p:cTn>
+                              </p:par>
+                            </p:childTnLst>
+                          </p:cTn>
+                        </p:par>
+                      </p:childTnLst>
+                    </p:cTn>
+                  </p:par>
+                  <p:par>
+                    <p:cTn id="17" fill="hold">
+                      <p:stCondLst>
+                        <p:cond delay="indefinite"/>
+                      </p:stCondLst>
+                      <p:childTnLst>
+                        <p:par>
+                          <p:cTn id="18" fill="hold">
+                            <p:stCondLst>
+                              <p:cond delay="0"/>
+                            </p:stCondLst>
+                            <p:childTnLst>
+                              <p:par>
+                                <p:cTn id="19" presetID="8" presetClass="entr" presetSubtype="16" fill="hold" nodeType="clickEffect">
+                                  <p:stCondLst>
+                                    <p:cond delay="0"/>
+                                  </p:stCondLst>
+                                  <p:childTnLst>
+                                    <p:set>
+                                      <p:cBhvr>
+                                        <p:cTn id="20" dur="1" fill="hold">
+                                          <p:stCondLst>
+                                            <p:cond delay="0"/>
+                                          </p:stCondLst>
+                                        </p:cTn>
+                                        <p:tgtEl>
+                                          <p:spTgt spid="3">
+                                            <p:txEl>
+                                              <p:pRg st="3" end="3"/>
+                                            </p:txEl>
+                                          </p:spTgt>
+                                        </p:tgtEl>
+                                        <p:attrNameLst>
+                                          <p:attrName>style.visibility</p:attrName>
+                                        </p:attrNameLst>
+                                      </p:cBhvr>
+                                      <p:to>
+                                        <p:strVal val="visible"/>
+                                      </p:to>
+                                    </p:set>
+                                    <p:animEffect transition="in" filter="diamond(in)">
+                                      <p:cBhvr>
+                                        <p:cTn id="21" dur="2000"/>
+                                        <p:tgtEl>
+                                          <p:spTgt spid="3">
+                                            <p:txEl>
+                                              <p:pRg st="3" end="3"/>
+                                            </p:txEl>
+                                          </p:spTgt>
+                                        </p:tgtEl>
+                                      </p:cBhvr>
+                                    </p:animEffect>
+                                  </p:childTnLst>
+                                </p:cTn>
+                              </p:par>
+                            </p:childTnLst>
+                          </p:cTn>
+                        </p:par>
+                      </p:childTnLst>
+                    </p:cTn>
+                  </p:par>
+                  <p:par>
+                    <p:cTn id="22" fill="hold">
+                      <p:stCondLst>
+                        <p:cond delay="indefinite"/>
+                      </p:stCondLst>
+                      <p:childTnLst>
+                        <p:par>
+                          <p:cTn id="23" fill="hold">
+                            <p:stCondLst>
+                              <p:cond delay="0"/>
+                            </p:stCondLst>
+                            <p:childTnLst>
+                              <p:par>
+                                <p:cTn id="24" presetID="2" presetClass="entr" presetSubtype="4" fill="hold" nodeType="clickEffect">
+                                  <p:stCondLst>
+                                    <p:cond delay="0"/>
+                                  </p:stCondLst>
+                                  <p:childTnLst>
+                                    <p:set>
+                                      <p:cBhvr>
+                                        <p:cTn id="25" dur="1" fill="hold">
+                                          <p:stCondLst>
+                                            <p:cond delay="0"/>
+                                          </p:stCondLst>
+                                        </p:cTn>
+                                        <p:tgtEl>
+                                          <p:spTgt spid="3">
+                                            <p:txEl>
+                                              <p:pRg st="4" end="4"/>
+                                            </p:txEl>
+                                          </p:spTgt>
+                                        </p:tgtEl>
+                                        <p:attrNameLst>
+                                          <p:attrName>style.visibility</p:attrName>
+                                        </p:attrNameLst>
+                                      </p:cBhvr>
+                                      <p:to>
+                                        <p:strVal val="visible"/>
+                                      </p:to>
+                                    </p:set>
+                                    <p:anim calcmode="lin" valueType="num">
+                                      <p:cBhvr additive="base">
+                                        <p:cTn id="26" dur="500" fill="hold"/>
+                                        <p:tgtEl>
+                                          <p:spTgt spid="3">
+                                            <p:txEl>
+                                              <p:pRg st="4" end="4"/>
+                                            </p:txEl>
+                                          </p:spTgt>
+                                        </p:tgtEl>
+                                        <p:attrNameLst>
+                                          <p:attrName>ppt_x</p:attrName>
+                                        </p:attrNameLst>
+                                      </p:cBhvr>
+                                      <p:tavLst>
+                                        <p:tav tm="0">
+                                          <p:val>
+                                            <p:strVal val="#ppt_x"/>
+                                          </p:val>
+                                        </p:tav>
+                                        <p:tav tm="100000">
+                                          <p:val>
+                                            <p:strVal val="#ppt_x"/>
+                                          </p:val>
+                                        </p:tav>
+                                      </p:tavLst>
+                                    </p:anim>
+                                    <p:anim calcmode="lin" valueType="num">
+                                      <p:cBhvr additive="base">
+                                        <p:cTn id="27" dur="500" fill="hold"/>
+                                        <p:tgtEl>
+                                          <p:spTgt spid="3">
+                                            <p:txEl>
+                                              <p:pRg st="4" end="4"/>
+                                            </p:txEl>
+                                          </p:spTgt>
+                                        </p:tgtEl>
+                                        <p:attrNameLst>
+                                          <p:attrName>ppt_y</p:attrName>
+                                        </p:attrNameLst>
+                                      </p:cBhvr>
+                                      <p:tavLst>
+                                        <p:tav tm="0">
+                                          <p:val>
+                                            <p:strVal val="1+#ppt_h/2"/>
+                                          </p:val>
+                                        </p:tav>
+                                        <p:tav tm="100000">
+                                          <p:val>
+                                            <p:strVal val="#ppt_y"/>
+                                          </p:val>
+                                        </p:tav>
+                                      </p:tavLst>
+                                    </p:anim>
+                                  </p:childTnLst>
+                                </p:cTn>
+                              </p:par>
+                            </p:childTnLst>
+                          </p:cTn>
+                        </p:par>
+                      </p:childTnLst>
+                    </p:cTn>
+                  </p:par>
+                </p:childTnLst>
+              </p:cTn>
+              <p:prevCondLst>
+                <p:cond evt="onPrev" delay="0">
+                  <p:tgtEl>
+                    <p:sldTgt/>
+                  </p:tgtEl>
+                </p:cond>
+              </p:prevCondLst>
+              <p:nextCondLst>
+                <p:cond evt="onNext" delay="0">
+                  <p:tgtEl>
+                    <p:sldTgt/>
+                  </p:tgtEl>
+                </p:cond>
+              </p:nextCondLst>
+            </p:seq>
+          </p:childTnLst>
+        </p:cTn>
+      </p:par>
+    </p:tnLst>
+  </p:timing>
 </p:sld>
 </file>
 
@@ -9759,6 +11115,65 @@
           <a:bodyPr/>
           <a:lstStyle/>
           <a:p>
+            <a:r>
+              <a:rPr lang="vi-VN" dirty="0" smtClean="0"/>
+              <a:t>Một số khái niệm liên quan</a:t>
+            </a:r>
+          </a:p>
+          <a:p>
+            <a:pPr lvl="1"/>
+            <a:r>
+              <a:rPr lang="vi-VN" dirty="0" smtClean="0"/>
+              <a:t>Gán nhãn từ loại </a:t>
+            </a:r>
+            <a:endParaRPr lang="vi-VN" dirty="0" smtClean="0"/>
+          </a:p>
+          <a:p>
+            <a:pPr lvl="1"/>
+            <a:r>
+              <a:rPr lang="vi-VN" dirty="0" smtClean="0"/>
+              <a:t>Nhận </a:t>
+            </a:r>
+            <a:r>
+              <a:rPr lang="vi-VN" dirty="0" smtClean="0"/>
+              <a:t>diện thực thể đặt tên</a:t>
+            </a:r>
+          </a:p>
+          <a:p>
+            <a:pPr lvl="1"/>
+            <a:r>
+              <a:rPr lang="vi-VN" dirty="0" smtClean="0"/>
+              <a:t>Bộ ba quan hệ và đồ thị ý ni</a:t>
+            </a:r>
+          </a:p>
+          <a:p>
+            <a:r>
+              <a:rPr lang="vi-VN" dirty="0" smtClean="0"/>
+              <a:t>Một số công trình nghiên cứu liên quan</a:t>
+            </a:r>
+          </a:p>
+          <a:p>
+            <a:pPr lvl="1"/>
+            <a:r>
+              <a:rPr lang="vi-VN" dirty="0" smtClean="0"/>
+              <a:t>Hệ thống hỏi đáp trên đồ thị ý niệm</a:t>
+            </a:r>
+          </a:p>
+          <a:p>
+            <a:pPr lvl="1"/>
+            <a:r>
+              <a:rPr lang="vi-VN" dirty="0" smtClean="0"/>
+              <a:t>Hệ thống tìm kiếm sách ebook bằng ngôn ngữ tự nhiên</a:t>
+            </a:r>
+          </a:p>
+          <a:p>
+            <a:pPr lvl="1"/>
+            <a:r>
+              <a:rPr lang="vi-VN" dirty="0" smtClean="0"/>
+              <a:t>Rút trích bộ ba trong câu.</a:t>
+            </a:r>
+          </a:p>
+          <a:p>
             <a:endParaRPr lang="en-US" dirty="0" smtClean="0"/>
           </a:p>
         </p:txBody>
@@ -9768,6 +11183,13 @@
   <p:clrMapOvr>
     <a:masterClrMapping/>
   </p:clrMapOvr>
+  <p:timing>
+    <p:tnLst>
+      <p:par>
+        <p:cTn id="1" dur="indefinite" restart="never" nodeType="tmRoot"/>
+      </p:par>
+    </p:tnLst>
+  </p:timing>
 </p:sld>
 </file>
 
@@ -9813,31 +11235,31 @@
             </a:r>
             <a:r>
               <a:rPr lang="en-US" dirty="0" err="1" smtClean="0"/>
-              <a:t>tài</a:t>
-            </a:r>
-            <a:r>
-              <a:rPr lang="en-US" dirty="0" smtClean="0"/>
-              <a:t> </a:t>
-            </a:r>
-            <a:r>
-              <a:rPr lang="en-US" dirty="0" err="1" smtClean="0"/>
-              <a:t>liệu</a:t>
-            </a:r>
-            <a:r>
-              <a:rPr lang="en-US" dirty="0" smtClean="0"/>
-              <a:t> </a:t>
-            </a:r>
-            <a:r>
-              <a:rPr lang="en-US" dirty="0" err="1" smtClean="0"/>
-              <a:t>tham</a:t>
-            </a:r>
-            <a:r>
-              <a:rPr lang="en-US" dirty="0" smtClean="0"/>
-              <a:t> </a:t>
-            </a:r>
-            <a:r>
-              <a:rPr lang="en-US" dirty="0" err="1" smtClean="0"/>
-              <a:t>khảo</a:t>
+              <a:t>nghiên</a:t>
+            </a:r>
+            <a:r>
+              <a:rPr lang="en-US" dirty="0" smtClean="0"/>
+              <a:t> </a:t>
+            </a:r>
+            <a:r>
+              <a:rPr lang="en-US" dirty="0" err="1" smtClean="0"/>
+              <a:t>cứu</a:t>
+            </a:r>
+            <a:r>
+              <a:rPr lang="en-US" dirty="0" smtClean="0"/>
+              <a:t> </a:t>
+            </a:r>
+            <a:r>
+              <a:rPr lang="en-US" dirty="0" err="1" smtClean="0"/>
+              <a:t>liên</a:t>
+            </a:r>
+            <a:r>
+              <a:rPr lang="en-US" dirty="0" smtClean="0"/>
+              <a:t> </a:t>
+            </a:r>
+            <a:r>
+              <a:rPr lang="en-US" dirty="0" err="1" smtClean="0"/>
+              <a:t>quan</a:t>
             </a:r>
             <a:endParaRPr lang="en-US" dirty="0"/>
           </a:p>
@@ -9853,325 +11275,114 @@
             <p:ph idx="1"/>
           </p:nvPr>
         </p:nvSpPr>
-        <p:spPr>
-          <a:xfrm>
-            <a:off x="457200" y="1219200"/>
-            <a:ext cx="8534400" cy="5181600"/>
-          </a:xfrm>
-        </p:spPr>
+        <p:spPr/>
         <p:txBody>
           <a:bodyPr/>
           <a:lstStyle/>
           <a:p>
             <a:r>
-              <a:rPr lang="en-US" sz="2400" dirty="0" smtClean="0"/>
-              <a:t>[8]  “</a:t>
-            </a:r>
-            <a:r>
-              <a:rPr lang="en-US" sz="2400" dirty="0" err="1" smtClean="0"/>
-              <a:t>Xây</a:t>
-            </a:r>
-            <a:r>
-              <a:rPr lang="en-US" sz="2400" dirty="0" smtClean="0"/>
-              <a:t> </a:t>
-            </a:r>
-            <a:r>
-              <a:rPr lang="en-US" sz="2400" dirty="0" err="1" smtClean="0"/>
-              <a:t>dựng</a:t>
-            </a:r>
-            <a:r>
-              <a:rPr lang="en-US" sz="2400" dirty="0" smtClean="0"/>
-              <a:t> </a:t>
-            </a:r>
-            <a:r>
-              <a:rPr lang="en-US" sz="2400" dirty="0" err="1" smtClean="0"/>
-              <a:t>công</a:t>
-            </a:r>
-            <a:r>
-              <a:rPr lang="en-US" sz="2400" dirty="0" smtClean="0"/>
-              <a:t> </a:t>
-            </a:r>
-            <a:r>
-              <a:rPr lang="en-US" sz="2400" dirty="0" err="1" smtClean="0"/>
-              <a:t>cụ</a:t>
-            </a:r>
-            <a:r>
-              <a:rPr lang="en-US" sz="2400" dirty="0" smtClean="0"/>
-              <a:t> </a:t>
-            </a:r>
-            <a:r>
-              <a:rPr lang="en-US" sz="2400" dirty="0" err="1" smtClean="0"/>
-              <a:t>tìm</a:t>
-            </a:r>
-            <a:r>
-              <a:rPr lang="en-US" sz="2400" dirty="0" smtClean="0"/>
-              <a:t> </a:t>
-            </a:r>
-            <a:r>
-              <a:rPr lang="en-US" sz="2400" dirty="0" err="1" smtClean="0"/>
-              <a:t>kiếm</a:t>
-            </a:r>
-            <a:r>
-              <a:rPr lang="en-US" sz="2400" dirty="0" smtClean="0"/>
-              <a:t> </a:t>
-            </a:r>
-            <a:r>
-              <a:rPr lang="en-US" sz="2400" dirty="0" err="1" smtClean="0"/>
-              <a:t>tài</a:t>
-            </a:r>
-            <a:r>
-              <a:rPr lang="en-US" sz="2400" dirty="0" smtClean="0"/>
-              <a:t> </a:t>
-            </a:r>
-            <a:r>
-              <a:rPr lang="en-US" sz="2400" dirty="0" err="1" smtClean="0"/>
-              <a:t>liệu</a:t>
-            </a:r>
-            <a:r>
-              <a:rPr lang="en-US" sz="2400" dirty="0" smtClean="0"/>
-              <a:t> </a:t>
-            </a:r>
-            <a:r>
-              <a:rPr lang="en-US" sz="2400" dirty="0" err="1" smtClean="0"/>
-              <a:t>học</a:t>
-            </a:r>
-            <a:r>
-              <a:rPr lang="en-US" sz="2400" dirty="0" smtClean="0"/>
-              <a:t> </a:t>
-            </a:r>
-            <a:r>
-              <a:rPr lang="en-US" sz="2400" dirty="0" err="1" smtClean="0"/>
-              <a:t>tập</a:t>
-            </a:r>
-            <a:r>
-              <a:rPr lang="en-US" sz="2400" dirty="0" smtClean="0"/>
-              <a:t> </a:t>
-            </a:r>
-            <a:r>
-              <a:rPr lang="en-US" sz="2400" dirty="0" err="1" smtClean="0"/>
-              <a:t>bằng</a:t>
-            </a:r>
-            <a:r>
-              <a:rPr lang="en-US" sz="2400" dirty="0" smtClean="0"/>
-              <a:t> </a:t>
-            </a:r>
-            <a:r>
-              <a:rPr lang="en-US" sz="2400" dirty="0" err="1" smtClean="0"/>
-              <a:t>các</a:t>
-            </a:r>
-            <a:r>
-              <a:rPr lang="en-US" sz="2400" dirty="0" smtClean="0"/>
-              <a:t> </a:t>
-            </a:r>
-            <a:r>
-              <a:rPr lang="en-US" sz="2400" dirty="0" err="1" smtClean="0"/>
-              <a:t>truy</a:t>
-            </a:r>
-            <a:r>
-              <a:rPr lang="en-US" sz="2400" dirty="0" smtClean="0"/>
-              <a:t> </a:t>
-            </a:r>
-            <a:r>
-              <a:rPr lang="en-US" sz="2400" dirty="0" err="1" smtClean="0"/>
-              <a:t>vấn</a:t>
-            </a:r>
-            <a:r>
-              <a:rPr lang="en-US" sz="2400" dirty="0" smtClean="0"/>
-              <a:t> </a:t>
-            </a:r>
-            <a:r>
-              <a:rPr lang="en-US" sz="2400" dirty="0" err="1" smtClean="0"/>
-              <a:t>ngôn</a:t>
-            </a:r>
-            <a:r>
-              <a:rPr lang="en-US" sz="2400" dirty="0" smtClean="0"/>
-              <a:t> </a:t>
-            </a:r>
-            <a:r>
-              <a:rPr lang="en-US" sz="2400" dirty="0" err="1" smtClean="0"/>
-              <a:t>ngữ</a:t>
-            </a:r>
-            <a:r>
-              <a:rPr lang="en-US" sz="2400" dirty="0" smtClean="0"/>
-              <a:t> </a:t>
-            </a:r>
-            <a:r>
-              <a:rPr lang="en-US" sz="2400" dirty="0" err="1" smtClean="0"/>
-              <a:t>tự</a:t>
-            </a:r>
-            <a:r>
-              <a:rPr lang="en-US" sz="2400" dirty="0" smtClean="0"/>
-              <a:t> </a:t>
-            </a:r>
-            <a:r>
-              <a:rPr lang="en-US" sz="2400" dirty="0" err="1" smtClean="0"/>
-              <a:t>nhiên</a:t>
-            </a:r>
-            <a:r>
-              <a:rPr lang="en-US" sz="2400" dirty="0" smtClean="0"/>
-              <a:t>  </a:t>
-            </a:r>
-            <a:r>
-              <a:rPr lang="en-US" sz="2400" dirty="0" err="1" smtClean="0"/>
-              <a:t>trên</a:t>
-            </a:r>
-            <a:r>
-              <a:rPr lang="en-US" sz="2400" dirty="0" smtClean="0"/>
-              <a:t> </a:t>
-            </a:r>
-            <a:r>
-              <a:rPr lang="en-US" sz="2400" dirty="0" err="1" smtClean="0"/>
-              <a:t>kho</a:t>
-            </a:r>
-            <a:r>
-              <a:rPr lang="en-US" sz="2400" dirty="0" smtClean="0"/>
-              <a:t> </a:t>
-            </a:r>
-            <a:r>
-              <a:rPr lang="en-US" sz="2400" dirty="0" err="1" smtClean="0"/>
-              <a:t>học</a:t>
-            </a:r>
-            <a:r>
-              <a:rPr lang="en-US" sz="2400" dirty="0" smtClean="0"/>
-              <a:t> </a:t>
-            </a:r>
-            <a:r>
-              <a:rPr lang="en-US" sz="2400" dirty="0" err="1" smtClean="0"/>
-              <a:t>liệu</a:t>
-            </a:r>
-            <a:r>
-              <a:rPr lang="en-US" sz="2400" dirty="0" smtClean="0"/>
-              <a:t> </a:t>
-            </a:r>
-            <a:r>
-              <a:rPr lang="en-US" sz="2400" dirty="0" err="1" smtClean="0"/>
-              <a:t>mở</a:t>
-            </a:r>
-            <a:r>
-              <a:rPr lang="en-US" sz="2400" dirty="0" smtClean="0"/>
-              <a:t> </a:t>
-            </a:r>
-            <a:r>
-              <a:rPr lang="en-US" sz="2400" dirty="0" err="1" smtClean="0"/>
-              <a:t>tiếng</a:t>
-            </a:r>
-            <a:r>
-              <a:rPr lang="en-US" sz="2400" dirty="0" smtClean="0"/>
-              <a:t> </a:t>
-            </a:r>
-            <a:r>
-              <a:rPr lang="en-US" sz="2400" dirty="0" err="1" smtClean="0"/>
-              <a:t>Việt</a:t>
-            </a:r>
-            <a:r>
-              <a:rPr lang="en-US" sz="2400" dirty="0" smtClean="0"/>
-              <a:t>”, </a:t>
-            </a:r>
-            <a:r>
-              <a:rPr lang="en-US" sz="2400" dirty="0" err="1" smtClean="0"/>
-              <a:t>Lương</a:t>
-            </a:r>
-            <a:r>
-              <a:rPr lang="en-US" sz="2400" dirty="0" smtClean="0"/>
-              <a:t> </a:t>
-            </a:r>
-            <a:r>
-              <a:rPr lang="en-US" sz="2400" dirty="0" err="1" smtClean="0"/>
-              <a:t>Quý</a:t>
-            </a:r>
-            <a:r>
-              <a:rPr lang="en-US" sz="2400" dirty="0" smtClean="0"/>
-              <a:t> </a:t>
-            </a:r>
-            <a:r>
-              <a:rPr lang="en-US" sz="2400" dirty="0" err="1" smtClean="0"/>
-              <a:t>Tịnh</a:t>
-            </a:r>
-            <a:r>
-              <a:rPr lang="en-US" sz="2400" dirty="0" smtClean="0"/>
-              <a:t> </a:t>
-            </a:r>
-            <a:r>
-              <a:rPr lang="en-US" sz="2400" dirty="0" err="1" smtClean="0"/>
-              <a:t>Hà</a:t>
-            </a:r>
-            <a:r>
-              <a:rPr lang="en-US" sz="2400" dirty="0" smtClean="0"/>
-              <a:t>, 2009.</a:t>
-            </a:r>
-          </a:p>
-          <a:p>
-            <a:r>
-              <a:rPr lang="en-US" sz="2400" dirty="0" smtClean="0"/>
-              <a:t>[9] “Automatic Question Pattern Generation for Ontology-based Question”, </a:t>
-            </a:r>
-            <a:r>
-              <a:rPr lang="en-US" sz="2400" dirty="0" err="1" smtClean="0"/>
-              <a:t>Shiyan</a:t>
-            </a:r>
-            <a:r>
-              <a:rPr lang="en-US" sz="2400" dirty="0" smtClean="0"/>
-              <a:t> </a:t>
-            </a:r>
-            <a:r>
-              <a:rPr lang="en-US" sz="2400" dirty="0" err="1" smtClean="0"/>
-              <a:t>Ou</a:t>
-            </a:r>
-            <a:r>
-              <a:rPr lang="en-US" sz="2400" dirty="0" smtClean="0"/>
-              <a:t>, </a:t>
-            </a:r>
-            <a:r>
-              <a:rPr lang="en-US" sz="2400" dirty="0" err="1" smtClean="0"/>
-              <a:t>Constantin</a:t>
-            </a:r>
-            <a:r>
-              <a:rPr lang="en-US" sz="2400" dirty="0" smtClean="0"/>
-              <a:t> </a:t>
-            </a:r>
-            <a:r>
-              <a:rPr lang="en-US" sz="2400" dirty="0" err="1" smtClean="0"/>
-              <a:t>Orasan</a:t>
-            </a:r>
-            <a:r>
-              <a:rPr lang="en-US" sz="2400" dirty="0" smtClean="0"/>
-              <a:t>, </a:t>
-            </a:r>
-            <a:r>
-              <a:rPr lang="en-US" sz="2400" dirty="0" err="1" smtClean="0"/>
-              <a:t>Dalila</a:t>
-            </a:r>
-            <a:r>
-              <a:rPr lang="en-US" sz="2400" dirty="0" smtClean="0"/>
-              <a:t> </a:t>
-            </a:r>
-            <a:r>
-              <a:rPr lang="en-US" sz="2400" dirty="0" err="1" smtClean="0"/>
-              <a:t>Mekhaldi</a:t>
-            </a:r>
-            <a:r>
-              <a:rPr lang="en-US" sz="2400" dirty="0" smtClean="0"/>
-              <a:t> and Laura </a:t>
-            </a:r>
-            <a:r>
-              <a:rPr lang="en-US" sz="2400" dirty="0" err="1" smtClean="0"/>
-              <a:t>Hasler</a:t>
-            </a:r>
-            <a:r>
-              <a:rPr lang="en-US" sz="2400" dirty="0" smtClean="0"/>
-              <a:t>, 2008</a:t>
-            </a:r>
-          </a:p>
-          <a:p>
-            <a:r>
-              <a:rPr lang="en-US" sz="2400" dirty="0" smtClean="0"/>
-              <a:t>[10] Learning Question Classifier, Li and Roth, 2002</a:t>
-            </a:r>
-          </a:p>
-          <a:p>
-            <a:endParaRPr lang="en-US" sz="2400" dirty="0" smtClean="0"/>
-          </a:p>
-          <a:p>
+              <a:rPr lang="vi-VN" dirty="0" smtClean="0"/>
+              <a:t>Một số khái niệm liên </a:t>
+            </a:r>
+            <a:r>
+              <a:rPr lang="vi-VN" dirty="0" smtClean="0"/>
+              <a:t>quan</a:t>
+            </a:r>
+          </a:p>
+          <a:p>
+            <a:pPr lvl="1" algn="just"/>
+            <a:r>
+              <a:rPr lang="vi-VN" dirty="0" smtClean="0"/>
+              <a:t>Gán nhãn từ </a:t>
+            </a:r>
+            <a:r>
+              <a:rPr lang="vi-VN" dirty="0" smtClean="0"/>
+              <a:t>loại </a:t>
+            </a:r>
+            <a:r>
+              <a:rPr lang="vi-VN" dirty="0" smtClean="0"/>
+              <a:t>l</a:t>
+            </a:r>
+            <a:r>
+              <a:rPr lang="de-DE" dirty="0" smtClean="0"/>
+              <a:t>à quá trình đánh dấu lên những từ trong một văn bản </a:t>
+            </a:r>
+            <a:r>
+              <a:rPr lang="vi-VN" dirty="0" smtClean="0"/>
+              <a:t>thuộc về </a:t>
+            </a:r>
+            <a:r>
+              <a:rPr lang="de-DE" dirty="0" smtClean="0"/>
+              <a:t>một phần của bài phát biểu</a:t>
+            </a:r>
+            <a:r>
+              <a:rPr lang="vi-VN" dirty="0" smtClean="0"/>
+              <a:t> (tài liệu</a:t>
+            </a:r>
+            <a:r>
+              <a:rPr lang="vi-VN" dirty="0" smtClean="0"/>
+              <a:t>) [</a:t>
+            </a:r>
+            <a:r>
+              <a:rPr lang="vi-VN" dirty="0" smtClean="0">
+                <a:solidFill>
+                  <a:srgbClr val="FF0000"/>
+                </a:solidFill>
+              </a:rPr>
+              <a:t>ref</a:t>
+            </a:r>
+            <a:r>
+              <a:rPr lang="vi-VN" dirty="0" smtClean="0"/>
+              <a:t>]. </a:t>
+            </a:r>
+            <a:r>
+              <a:rPr lang="vi-VN" dirty="0" smtClean="0"/>
+              <a:t>Một hình thức đơn giản </a:t>
+            </a:r>
+            <a:r>
+              <a:rPr lang="vi-VN" dirty="0" smtClean="0"/>
+              <a:t>là </a:t>
+            </a:r>
+            <a:r>
+              <a:rPr lang="vi-VN" dirty="0" smtClean="0"/>
+              <a:t>việc xác định các từ như danh từ, động từ, tính từ, trạng </a:t>
+            </a:r>
+            <a:r>
+              <a:rPr lang="vi-VN" dirty="0" smtClean="0"/>
+              <a:t>từ ...</a:t>
+            </a:r>
+            <a:endParaRPr lang="vi-VN" dirty="0" smtClean="0"/>
+          </a:p>
+          <a:p>
+            <a:pPr lvl="1"/>
+            <a:r>
+              <a:rPr lang="vi-VN" dirty="0" smtClean="0"/>
+              <a:t>Nhận diện thực thể đặt tên:</a:t>
+            </a:r>
+            <a:r>
+              <a:rPr lang="de-DE" dirty="0" smtClean="0"/>
+              <a:t> là một công việc thuộc lĩnh vực trích xuất thông tin nhằm tìm kiếm, xác định và phân lớp các thành tố trong văn bản không cấu trúc thuộc vào các nhóm thực thể được xác định trước như tên người, tổ chức, vị trí</a:t>
+            </a:r>
+            <a:r>
+              <a:rPr lang="de-DE" dirty="0" smtClean="0"/>
+              <a:t>,</a:t>
+            </a:r>
+            <a:r>
+              <a:rPr lang="vi-VN" dirty="0" smtClean="0"/>
+              <a:t> ... [</a:t>
+            </a:r>
+            <a:r>
+              <a:rPr lang="vi-VN" dirty="0" smtClean="0">
+                <a:solidFill>
+                  <a:srgbClr val="FF0000"/>
+                </a:solidFill>
+              </a:rPr>
+              <a:t>ref</a:t>
+            </a:r>
+            <a:r>
+              <a:rPr lang="vi-VN" dirty="0" smtClean="0"/>
+              <a:t>]</a:t>
+            </a:r>
             <a:endParaRPr lang="en-US" dirty="0"/>
           </a:p>
         </p:txBody>
@@ -10203,126 +11414,83 @@
       </p:grpSpPr>
       <p:sp>
         <p:nvSpPr>
-          <p:cNvPr id="28678" name="Rectangle 6"/>
+          <p:cNvPr id="2" name="Title 1"/>
           <p:cNvSpPr>
-            <a:spLocks noGrp="1" noChangeArrowheads="1"/>
+            <a:spLocks noGrp="1"/>
           </p:cNvSpPr>
           <p:nvPr>
-            <p:ph type="subTitle" idx="1"/>
+            <p:ph type="title"/>
+          </p:nvPr>
+        </p:nvSpPr>
+        <p:spPr/>
+        <p:txBody>
+          <a:bodyPr/>
+          <a:lstStyle/>
+          <a:p>
+            <a:r>
+              <a:rPr lang="en-US" dirty="0" err="1" smtClean="0"/>
+              <a:t>Các</a:t>
+            </a:r>
+            <a:r>
+              <a:rPr lang="en-US" dirty="0" smtClean="0"/>
+              <a:t> </a:t>
+            </a:r>
+            <a:r>
+              <a:rPr lang="en-US" dirty="0" err="1" smtClean="0"/>
+              <a:t>tài</a:t>
+            </a:r>
+            <a:r>
+              <a:rPr lang="en-US" dirty="0" smtClean="0"/>
+              <a:t> </a:t>
+            </a:r>
+            <a:r>
+              <a:rPr lang="en-US" dirty="0" err="1" smtClean="0"/>
+              <a:t>liệu</a:t>
+            </a:r>
+            <a:r>
+              <a:rPr lang="en-US" dirty="0" smtClean="0"/>
+              <a:t> </a:t>
+            </a:r>
+            <a:r>
+              <a:rPr lang="en-US" dirty="0" err="1" smtClean="0"/>
+              <a:t>tham</a:t>
+            </a:r>
+            <a:r>
+              <a:rPr lang="en-US" dirty="0" smtClean="0"/>
+              <a:t> </a:t>
+            </a:r>
+            <a:r>
+              <a:rPr lang="en-US" dirty="0" err="1" smtClean="0"/>
+              <a:t>khảo</a:t>
+            </a:r>
+            <a:endParaRPr lang="en-US" dirty="0"/>
+          </a:p>
+        </p:txBody>
+      </p:sp>
+      <p:sp>
+        <p:nvSpPr>
+          <p:cNvPr id="3" name="Content Placeholder 2"/>
+          <p:cNvSpPr>
+            <a:spLocks noGrp="1"/>
+          </p:cNvSpPr>
+          <p:nvPr>
+            <p:ph idx="1"/>
           </p:nvPr>
         </p:nvSpPr>
         <p:spPr>
           <a:xfrm>
-            <a:off x="4887913" y="3962400"/>
-            <a:ext cx="3792537" cy="304800"/>
+            <a:off x="457200" y="1219200"/>
+            <a:ext cx="8534400" cy="5181600"/>
           </a:xfrm>
         </p:spPr>
         <p:txBody>
           <a:bodyPr/>
           <a:lstStyle/>
           <a:p>
-            <a:pPr algn="ctr">
-              <a:lnSpc>
-                <a:spcPct val="80000"/>
-              </a:lnSpc>
-            </a:pPr>
-            <a:endParaRPr lang="en-US" sz="1600" dirty="0"/>
-          </a:p>
-        </p:txBody>
-      </p:sp>
-      <p:sp>
-        <p:nvSpPr>
-          <p:cNvPr id="28679" name="WordArt 7"/>
-          <p:cNvSpPr>
-            <a:spLocks noChangeArrowheads="1" noChangeShapeType="1" noTextEdit="1"/>
-          </p:cNvSpPr>
-          <p:nvPr/>
-        </p:nvSpPr>
-        <p:spPr bwMode="gray">
-          <a:xfrm>
-            <a:off x="4800600" y="3124200"/>
-            <a:ext cx="3810000" cy="609600"/>
-          </a:xfrm>
-          <a:prstGeom prst="rect">
-            <a:avLst/>
-          </a:prstGeom>
-        </p:spPr>
-        <p:txBody>
-          <a:bodyPr wrap="none" fromWordArt="1">
-            <a:prstTxWarp prst="textDeflate">
-              <a:avLst>
-                <a:gd name="adj" fmla="val 0"/>
-              </a:avLst>
-            </a:prstTxWarp>
-          </a:bodyPr>
-          <a:lstStyle/>
-          <a:p>
-            <a:pPr algn="ctr"/>
-            <a:r>
-              <a:rPr lang="en-US" sz="5400" b="1" kern="10" dirty="0" smtClean="0">
-                <a:ln w="28575">
-                  <a:solidFill>
-                    <a:schemeClr val="tx1"/>
-                  </a:solidFill>
-                  <a:round/>
-                  <a:headEnd/>
-                  <a:tailEnd/>
-                </a:ln>
-                <a:gradFill rotWithShape="1">
-                  <a:gsLst>
-                    <a:gs pos="0">
-                      <a:schemeClr val="bg1"/>
-                    </a:gs>
-                    <a:gs pos="100000">
-                      <a:schemeClr val="accent2"/>
-                    </a:gs>
-                  </a:gsLst>
-                  <a:lin ang="5400000" scaled="1"/>
-                </a:gradFill>
-                <a:effectLst>
-                  <a:outerShdw dist="107763" dir="2700000" algn="ctr" rotWithShape="0">
-                    <a:srgbClr val="000000">
-                      <a:alpha val="50000"/>
-                    </a:srgbClr>
-                  </a:outerShdw>
-                </a:effectLst>
-                <a:latin typeface="Verdana"/>
-                <a:ea typeface="Verdana"/>
-                <a:cs typeface="Verdana"/>
-              </a:rPr>
-              <a:t>Xin cám ơn!</a:t>
-            </a:r>
-            <a:endParaRPr lang="en-US" sz="5400" b="1" kern="10" dirty="0">
-              <a:ln w="28575">
-                <a:solidFill>
-                  <a:schemeClr val="tx1"/>
-                </a:solidFill>
-                <a:round/>
-                <a:headEnd/>
-                <a:tailEnd/>
-              </a:ln>
-              <a:gradFill rotWithShape="1">
-                <a:gsLst>
-                  <a:gs pos="0">
-                    <a:schemeClr val="bg1"/>
-                  </a:gs>
-                  <a:gs pos="100000">
-                    <a:schemeClr val="accent2"/>
-                  </a:gs>
-                </a:gsLst>
-                <a:lin ang="5400000" scaled="1"/>
-              </a:gradFill>
-              <a:effectLst>
-                <a:outerShdw dist="107763" dir="2700000" algn="ctr" rotWithShape="0">
-                  <a:srgbClr val="000000">
-                    <a:alpha val="50000"/>
-                  </a:srgbClr>
-                </a:outerShdw>
-              </a:effectLst>
-              <a:latin typeface="Verdana"/>
-              <a:ea typeface="Verdana"/>
-              <a:cs typeface="Verdana"/>
-            </a:endParaRPr>
+            <a:endParaRPr lang="en-US" sz="2400" dirty="0" smtClean="0"/>
+          </a:p>
+          <a:p>
+            <a:endParaRPr lang="en-US" dirty="0"/>
           </a:p>
         </p:txBody>
       </p:sp>

--- a/trunk/De Cuong/bao cao luan van/slide 0.1.pptx
+++ b/trunk/De Cuong/bao cao luan van/slide 0.1.pptx
@@ -5,7 +5,7 @@
     <p:sldMasterId id="2147483648" r:id="rId1"/>
   </p:sldMasterIdLst>
   <p:notesMasterIdLst>
-    <p:notesMasterId r:id="rId12"/>
+    <p:notesMasterId r:id="rId18"/>
   </p:notesMasterIdLst>
   <p:sldIdLst>
     <p:sldId id="258" r:id="rId2"/>
@@ -16,8 +16,14 @@
     <p:sldId id="279" r:id="rId7"/>
     <p:sldId id="281" r:id="rId8"/>
     <p:sldId id="298" r:id="rId9"/>
-    <p:sldId id="284" r:id="rId10"/>
-    <p:sldId id="267" r:id="rId11"/>
+    <p:sldId id="299" r:id="rId10"/>
+    <p:sldId id="300" r:id="rId11"/>
+    <p:sldId id="301" r:id="rId12"/>
+    <p:sldId id="302" r:id="rId13"/>
+    <p:sldId id="303" r:id="rId14"/>
+    <p:sldId id="304" r:id="rId15"/>
+    <p:sldId id="284" r:id="rId16"/>
+    <p:sldId id="267" r:id="rId17"/>
   </p:sldIdLst>
   <p:sldSz cx="9144000" cy="6858000" type="screen4x3"/>
   <p:notesSz cx="6858000" cy="9144000"/>
@@ -232,7 +238,7 @@
             <a:fld id="{3B14A4C4-CD5F-4363-9455-E1F0DAF53B53}" type="datetimeFigureOut">
               <a:rPr lang="en-US" smtClean="0"/>
               <a:pPr/>
-              <a:t>4/3/2011</a:t>
+              <a:t>4/5/2011</a:t>
             </a:fld>
             <a:endParaRPr lang="en-US"/>
           </a:p>
@@ -567,6 +573,191 @@
               <a:rPr lang="en-US" smtClean="0"/>
               <a:pPr/>
               <a:t>7</a:t>
+            </a:fld>
+            <a:endParaRPr lang="en-US"/>
+          </a:p>
+        </p:txBody>
+      </p:sp>
+    </p:spTree>
+  </p:cSld>
+  <p:clrMapOvr>
+    <a:masterClrMapping/>
+  </p:clrMapOvr>
+</p:notes>
+</file>
+
+<file path=ppt/notesSlides/notesSlide2.xml><?xml version="1.0" encoding="utf-8"?>
+<p:notes xmlns:a="http://schemas.openxmlformats.org/drawingml/2006/main" xmlns:r="http://schemas.openxmlformats.org/officeDocument/2006/relationships" xmlns:p="http://schemas.openxmlformats.org/presentationml/2006/main">
+  <p:cSld>
+    <p:spTree>
+      <p:nvGrpSpPr>
+        <p:cNvPr id="1" name=""/>
+        <p:cNvGrpSpPr/>
+        <p:nvPr/>
+      </p:nvGrpSpPr>
+      <p:grpSpPr>
+        <a:xfrm>
+          <a:off x="0" y="0"/>
+          <a:ext cx="0" cy="0"/>
+          <a:chOff x="0" y="0"/>
+          <a:chExt cx="0" cy="0"/>
+        </a:xfrm>
+      </p:grpSpPr>
+      <p:sp>
+        <p:nvSpPr>
+          <p:cNvPr id="2" name="Slide Image Placeholder 1"/>
+          <p:cNvSpPr>
+            <a:spLocks noGrp="1" noRot="1" noChangeAspect="1"/>
+          </p:cNvSpPr>
+          <p:nvPr>
+            <p:ph type="sldImg"/>
+          </p:nvPr>
+        </p:nvSpPr>
+        <p:spPr/>
+      </p:sp>
+      <p:sp>
+        <p:nvSpPr>
+          <p:cNvPr id="3" name="Notes Placeholder 2"/>
+          <p:cNvSpPr>
+            <a:spLocks noGrp="1"/>
+          </p:cNvSpPr>
+          <p:nvPr>
+            <p:ph type="body" idx="1"/>
+          </p:nvPr>
+        </p:nvSpPr>
+        <p:spPr/>
+        <p:txBody>
+          <a:bodyPr>
+            <a:normAutofit/>
+          </a:bodyPr>
+          <a:lstStyle/>
+          <a:p>
+            <a:pPr lvl="2"/>
+            <a:r>
+              <a:rPr lang="vi-VN" dirty="0" smtClean="0"/>
+              <a:t>Biến đổi câu hỏi thành đồ thị ý niệm dựa trên phân tích cú pháp. </a:t>
+            </a:r>
+          </a:p>
+          <a:p>
+            <a:pPr lvl="2"/>
+            <a:r>
+              <a:rPr lang="vi-VN" dirty="0" smtClean="0"/>
+              <a:t>Tạo ra các đồ thị ý niệm từ các câu trong văn bản và lưu trữ chúng.</a:t>
+            </a:r>
+          </a:p>
+          <a:p>
+            <a:pPr lvl="2"/>
+            <a:r>
+              <a:rPr lang="vi-VN" dirty="0" smtClean="0"/>
+              <a:t>Hỏi đáp dựa trên so sánh các đồ thị lưu trữ với đồ thị câu hỏi.</a:t>
+            </a:r>
+          </a:p>
+          <a:p>
+            <a:endParaRPr lang="en-US" dirty="0"/>
+          </a:p>
+        </p:txBody>
+      </p:sp>
+      <p:sp>
+        <p:nvSpPr>
+          <p:cNvPr id="4" name="Slide Number Placeholder 3"/>
+          <p:cNvSpPr>
+            <a:spLocks noGrp="1"/>
+          </p:cNvSpPr>
+          <p:nvPr>
+            <p:ph type="sldNum" sz="quarter" idx="10"/>
+          </p:nvPr>
+        </p:nvSpPr>
+        <p:spPr/>
+        <p:txBody>
+          <a:bodyPr/>
+          <a:lstStyle/>
+          <a:p>
+            <a:fld id="{29E6FFFA-F13A-4C0F-A707-C1F94A1398F3}" type="slidenum">
+              <a:rPr lang="en-US" smtClean="0"/>
+              <a:pPr/>
+              <a:t>11</a:t>
+            </a:fld>
+            <a:endParaRPr lang="en-US"/>
+          </a:p>
+        </p:txBody>
+      </p:sp>
+    </p:spTree>
+  </p:cSld>
+  <p:clrMapOvr>
+    <a:masterClrMapping/>
+  </p:clrMapOvr>
+</p:notes>
+</file>
+
+<file path=ppt/notesSlides/notesSlide3.xml><?xml version="1.0" encoding="utf-8"?>
+<p:notes xmlns:a="http://schemas.openxmlformats.org/drawingml/2006/main" xmlns:r="http://schemas.openxmlformats.org/officeDocument/2006/relationships" xmlns:p="http://schemas.openxmlformats.org/presentationml/2006/main">
+  <p:cSld>
+    <p:spTree>
+      <p:nvGrpSpPr>
+        <p:cNvPr id="1" name=""/>
+        <p:cNvGrpSpPr/>
+        <p:nvPr/>
+      </p:nvGrpSpPr>
+      <p:grpSpPr>
+        <a:xfrm>
+          <a:off x="0" y="0"/>
+          <a:ext cx="0" cy="0"/>
+          <a:chOff x="0" y="0"/>
+          <a:chExt cx="0" cy="0"/>
+        </a:xfrm>
+      </p:grpSpPr>
+      <p:sp>
+        <p:nvSpPr>
+          <p:cNvPr id="2" name="Slide Image Placeholder 1"/>
+          <p:cNvSpPr>
+            <a:spLocks noGrp="1" noRot="1" noChangeAspect="1"/>
+          </p:cNvSpPr>
+          <p:nvPr>
+            <p:ph type="sldImg"/>
+          </p:nvPr>
+        </p:nvSpPr>
+        <p:spPr/>
+      </p:sp>
+      <p:sp>
+        <p:nvSpPr>
+          <p:cNvPr id="3" name="Notes Placeholder 2"/>
+          <p:cNvSpPr>
+            <a:spLocks noGrp="1"/>
+          </p:cNvSpPr>
+          <p:nvPr>
+            <p:ph type="body" idx="1"/>
+          </p:nvPr>
+        </p:nvSpPr>
+        <p:spPr/>
+        <p:txBody>
+          <a:bodyPr>
+            <a:normAutofit/>
+          </a:bodyPr>
+          <a:lstStyle/>
+          <a:p>
+            <a:endParaRPr lang="en-US" dirty="0"/>
+          </a:p>
+        </p:txBody>
+      </p:sp>
+      <p:sp>
+        <p:nvSpPr>
+          <p:cNvPr id="4" name="Slide Number Placeholder 3"/>
+          <p:cNvSpPr>
+            <a:spLocks noGrp="1"/>
+          </p:cNvSpPr>
+          <p:nvPr>
+            <p:ph type="sldNum" sz="quarter" idx="10"/>
+          </p:nvPr>
+        </p:nvSpPr>
+        <p:spPr/>
+        <p:txBody>
+          <a:bodyPr/>
+          <a:lstStyle/>
+          <a:p>
+            <a:fld id="{29E6FFFA-F13A-4C0F-A707-C1F94A1398F3}" type="slidenum">
+              <a:rPr lang="en-US" smtClean="0"/>
+              <a:pPr/>
+              <a:t>14</a:t>
             </a:fld>
             <a:endParaRPr lang="en-US"/>
           </a:p>
@@ -5299,6 +5490,809 @@
       </p:grpSpPr>
       <p:sp>
         <p:nvSpPr>
+          <p:cNvPr id="2" name="Title 1"/>
+          <p:cNvSpPr>
+            <a:spLocks noGrp="1"/>
+          </p:cNvSpPr>
+          <p:nvPr>
+            <p:ph type="title"/>
+          </p:nvPr>
+        </p:nvSpPr>
+        <p:spPr/>
+        <p:txBody>
+          <a:bodyPr/>
+          <a:lstStyle/>
+          <a:p>
+            <a:r>
+              <a:rPr lang="en-US" dirty="0" err="1" smtClean="0"/>
+              <a:t>Các</a:t>
+            </a:r>
+            <a:r>
+              <a:rPr lang="en-US" dirty="0" smtClean="0"/>
+              <a:t> </a:t>
+            </a:r>
+            <a:r>
+              <a:rPr lang="en-US" dirty="0" err="1" smtClean="0"/>
+              <a:t>nghiên</a:t>
+            </a:r>
+            <a:r>
+              <a:rPr lang="en-US" dirty="0" smtClean="0"/>
+              <a:t> </a:t>
+            </a:r>
+            <a:r>
+              <a:rPr lang="en-US" dirty="0" err="1" smtClean="0"/>
+              <a:t>cứu</a:t>
+            </a:r>
+            <a:r>
+              <a:rPr lang="en-US" dirty="0" smtClean="0"/>
+              <a:t> </a:t>
+            </a:r>
+            <a:r>
+              <a:rPr lang="en-US" dirty="0" err="1" smtClean="0"/>
+              <a:t>liên</a:t>
+            </a:r>
+            <a:r>
+              <a:rPr lang="en-US" dirty="0" smtClean="0"/>
+              <a:t> </a:t>
+            </a:r>
+            <a:r>
+              <a:rPr lang="en-US" dirty="0" err="1" smtClean="0"/>
+              <a:t>quan</a:t>
+            </a:r>
+            <a:endParaRPr lang="en-US" dirty="0"/>
+          </a:p>
+        </p:txBody>
+      </p:sp>
+      <p:sp>
+        <p:nvSpPr>
+          <p:cNvPr id="3" name="Content Placeholder 2"/>
+          <p:cNvSpPr>
+            <a:spLocks noGrp="1"/>
+          </p:cNvSpPr>
+          <p:nvPr>
+            <p:ph idx="1"/>
+          </p:nvPr>
+        </p:nvSpPr>
+        <p:spPr/>
+        <p:txBody>
+          <a:bodyPr/>
+          <a:lstStyle/>
+          <a:p>
+            <a:r>
+              <a:rPr lang="vi-VN" dirty="0" smtClean="0"/>
+              <a:t>Một số khái niệm liên quan</a:t>
+            </a:r>
+          </a:p>
+          <a:p>
+            <a:pPr lvl="1"/>
+            <a:r>
+              <a:rPr lang="vi-VN" dirty="0" smtClean="0"/>
+              <a:t>Đồ thị ý niệm: Đồ thị khái niệm là một cách để biểu diễn tri thức, có khả năng diễn đạt ngữ nghĩa một cách chính xác, dễ hiểu đối với con người và khả năng xử lý đối với máy tính [</a:t>
+            </a:r>
+            <a:r>
+              <a:rPr lang="vi-VN" dirty="0" smtClean="0">
+                <a:solidFill>
+                  <a:srgbClr val="FF0000"/>
+                </a:solidFill>
+              </a:rPr>
+              <a:t>ref</a:t>
+            </a:r>
+            <a:r>
+              <a:rPr lang="vi-VN" dirty="0" smtClean="0"/>
+              <a:t>].</a:t>
+            </a:r>
+            <a:endParaRPr lang="en-US" dirty="0"/>
+          </a:p>
+        </p:txBody>
+      </p:sp>
+      <p:pic>
+        <p:nvPicPr>
+          <p:cNvPr id="5123" name="Picture 3" descr="C:\Users\Hoang\Desktop\whatisrdf_1.gif"/>
+          <p:cNvPicPr>
+            <a:picLocks noChangeAspect="1" noChangeArrowheads="1"/>
+          </p:cNvPicPr>
+          <p:nvPr/>
+        </p:nvPicPr>
+        <p:blipFill>
+          <a:blip r:embed="rId2"/>
+          <a:srcRect/>
+          <a:stretch>
+            <a:fillRect/>
+          </a:stretch>
+        </p:blipFill>
+        <p:spPr bwMode="auto">
+          <a:xfrm>
+            <a:off x="1295400" y="3657600"/>
+            <a:ext cx="6477000" cy="2590800"/>
+          </a:xfrm>
+          <a:prstGeom prst="rect">
+            <a:avLst/>
+          </a:prstGeom>
+          <a:noFill/>
+          <a:ln w="9525">
+            <a:noFill/>
+            <a:miter lim="800000"/>
+            <a:headEnd/>
+            <a:tailEnd/>
+          </a:ln>
+        </p:spPr>
+      </p:pic>
+      <p:sp>
+        <p:nvSpPr>
+          <p:cNvPr id="5" name="TextBox 4"/>
+          <p:cNvSpPr txBox="1"/>
+          <p:nvPr/>
+        </p:nvSpPr>
+        <p:spPr>
+          <a:xfrm>
+            <a:off x="1295400" y="6248400"/>
+            <a:ext cx="7239000" cy="369332"/>
+          </a:xfrm>
+          <a:prstGeom prst="rect">
+            <a:avLst/>
+          </a:prstGeom>
+          <a:noFill/>
+        </p:spPr>
+        <p:txBody>
+          <a:bodyPr wrap="square" rtlCol="0">
+            <a:spAutoFit/>
+          </a:bodyPr>
+          <a:lstStyle/>
+          <a:p>
+            <a:r>
+              <a:rPr lang="vi-VN" dirty="0" smtClean="0"/>
+              <a:t>Hình 2 - hình minh họa cho đồ thi ý niệm </a:t>
+            </a:r>
+            <a:r>
+              <a:rPr lang="vi-VN" b="1" dirty="0" smtClean="0"/>
+              <a:t>(</a:t>
+            </a:r>
+            <a:r>
+              <a:rPr lang="vi-VN" dirty="0" smtClean="0"/>
+              <a:t>Hình lấy từ [</a:t>
+            </a:r>
+            <a:r>
+              <a:rPr lang="vi-VN" dirty="0" smtClean="0">
+                <a:solidFill>
+                  <a:srgbClr val="FF0000"/>
+                </a:solidFill>
+              </a:rPr>
+              <a:t>ref</a:t>
+            </a:r>
+            <a:r>
+              <a:rPr lang="vi-VN" dirty="0" smtClean="0"/>
+              <a:t>]</a:t>
+            </a:r>
+            <a:r>
+              <a:rPr lang="vi-VN" b="1" dirty="0" smtClean="0"/>
+              <a:t>)</a:t>
+            </a:r>
+            <a:endParaRPr lang="en-US" dirty="0"/>
+          </a:p>
+        </p:txBody>
+      </p:sp>
+    </p:spTree>
+  </p:cSld>
+  <p:clrMapOvr>
+    <a:masterClrMapping/>
+  </p:clrMapOvr>
+  <p:timing>
+    <p:tnLst>
+      <p:par>
+        <p:cTn id="1" dur="indefinite" restart="never" nodeType="tmRoot"/>
+      </p:par>
+    </p:tnLst>
+  </p:timing>
+</p:sld>
+</file>
+
+<file path=ppt/slides/slide11.xml><?xml version="1.0" encoding="utf-8"?>
+<p:sld xmlns:a="http://schemas.openxmlformats.org/drawingml/2006/main" xmlns:r="http://schemas.openxmlformats.org/officeDocument/2006/relationships" xmlns:p="http://schemas.openxmlformats.org/presentationml/2006/main">
+  <p:cSld>
+    <p:spTree>
+      <p:nvGrpSpPr>
+        <p:cNvPr id="1" name=""/>
+        <p:cNvGrpSpPr/>
+        <p:nvPr/>
+      </p:nvGrpSpPr>
+      <p:grpSpPr>
+        <a:xfrm>
+          <a:off x="0" y="0"/>
+          <a:ext cx="0" cy="0"/>
+          <a:chOff x="0" y="0"/>
+          <a:chExt cx="0" cy="0"/>
+        </a:xfrm>
+      </p:grpSpPr>
+      <p:sp>
+        <p:nvSpPr>
+          <p:cNvPr id="2" name="Title 1"/>
+          <p:cNvSpPr>
+            <a:spLocks noGrp="1"/>
+          </p:cNvSpPr>
+          <p:nvPr>
+            <p:ph type="title"/>
+          </p:nvPr>
+        </p:nvSpPr>
+        <p:spPr/>
+        <p:txBody>
+          <a:bodyPr/>
+          <a:lstStyle/>
+          <a:p>
+            <a:r>
+              <a:rPr lang="en-US" dirty="0" err="1" smtClean="0"/>
+              <a:t>Các</a:t>
+            </a:r>
+            <a:r>
+              <a:rPr lang="en-US" dirty="0" smtClean="0"/>
+              <a:t> </a:t>
+            </a:r>
+            <a:r>
+              <a:rPr lang="en-US" dirty="0" err="1" smtClean="0"/>
+              <a:t>nghiên</a:t>
+            </a:r>
+            <a:r>
+              <a:rPr lang="en-US" dirty="0" smtClean="0"/>
+              <a:t> </a:t>
+            </a:r>
+            <a:r>
+              <a:rPr lang="en-US" dirty="0" err="1" smtClean="0"/>
+              <a:t>cứu</a:t>
+            </a:r>
+            <a:r>
+              <a:rPr lang="en-US" dirty="0" smtClean="0"/>
+              <a:t> </a:t>
+            </a:r>
+            <a:r>
+              <a:rPr lang="en-US" dirty="0" err="1" smtClean="0"/>
+              <a:t>liên</a:t>
+            </a:r>
+            <a:r>
+              <a:rPr lang="en-US" dirty="0" smtClean="0"/>
+              <a:t> </a:t>
+            </a:r>
+            <a:r>
+              <a:rPr lang="en-US" dirty="0" err="1" smtClean="0"/>
+              <a:t>quan</a:t>
+            </a:r>
+            <a:endParaRPr lang="en-US" dirty="0"/>
+          </a:p>
+        </p:txBody>
+      </p:sp>
+      <p:sp>
+        <p:nvSpPr>
+          <p:cNvPr id="3" name="Content Placeholder 2"/>
+          <p:cNvSpPr>
+            <a:spLocks noGrp="1"/>
+          </p:cNvSpPr>
+          <p:nvPr>
+            <p:ph idx="1"/>
+          </p:nvPr>
+        </p:nvSpPr>
+        <p:spPr/>
+        <p:txBody>
+          <a:bodyPr/>
+          <a:lstStyle/>
+          <a:p>
+            <a:r>
+              <a:rPr lang="vi-VN" dirty="0" smtClean="0"/>
+              <a:t>Một số công trình nghiên cứu liên quan</a:t>
+            </a:r>
+          </a:p>
+          <a:p>
+            <a:pPr lvl="1" algn="just"/>
+            <a:r>
+              <a:rPr lang="vi-VN" dirty="0" smtClean="0"/>
+              <a:t>Hệ thống hỏi đáp bằng đồ thị ý niệm của Weal Salloum [ref] và Lorand Dali [ref].</a:t>
+            </a:r>
+          </a:p>
+          <a:p>
+            <a:pPr lvl="2"/>
+            <a:endParaRPr lang="en-US" dirty="0"/>
+          </a:p>
+        </p:txBody>
+      </p:sp>
+      <p:pic>
+        <p:nvPicPr>
+          <p:cNvPr id="4" name="Picture 1"/>
+          <p:cNvPicPr>
+            <a:picLocks noChangeAspect="1" noChangeArrowheads="1"/>
+          </p:cNvPicPr>
+          <p:nvPr/>
+        </p:nvPicPr>
+        <p:blipFill>
+          <a:blip r:embed="rId3"/>
+          <a:srcRect/>
+          <a:stretch>
+            <a:fillRect/>
+          </a:stretch>
+        </p:blipFill>
+        <p:spPr bwMode="auto">
+          <a:xfrm>
+            <a:off x="990600" y="2819400"/>
+            <a:ext cx="6781800" cy="3429000"/>
+          </a:xfrm>
+          <a:prstGeom prst="rect">
+            <a:avLst/>
+          </a:prstGeom>
+          <a:noFill/>
+          <a:ln w="9525">
+            <a:noFill/>
+            <a:miter lim="800000"/>
+            <a:headEnd/>
+            <a:tailEnd/>
+          </a:ln>
+        </p:spPr>
+      </p:pic>
+      <p:sp>
+        <p:nvSpPr>
+          <p:cNvPr id="5" name="TextBox 4"/>
+          <p:cNvSpPr txBox="1"/>
+          <p:nvPr/>
+        </p:nvSpPr>
+        <p:spPr>
+          <a:xfrm>
+            <a:off x="1066800" y="6211669"/>
+            <a:ext cx="7239000" cy="646331"/>
+          </a:xfrm>
+          <a:prstGeom prst="rect">
+            <a:avLst/>
+          </a:prstGeom>
+          <a:noFill/>
+        </p:spPr>
+        <p:txBody>
+          <a:bodyPr wrap="square" rtlCol="0">
+            <a:spAutoFit/>
+          </a:bodyPr>
+          <a:lstStyle/>
+          <a:p>
+            <a:r>
+              <a:rPr lang="vi-VN" dirty="0" smtClean="0"/>
+              <a:t>Hình </a:t>
+            </a:r>
+            <a:r>
+              <a:rPr lang="vi-VN" dirty="0" smtClean="0"/>
+              <a:t>3 – mô hình hệ thống hỏi đáp của Lorand Dali</a:t>
+            </a:r>
+            <a:endParaRPr lang="en-US" dirty="0" smtClean="0"/>
+          </a:p>
+          <a:p>
+            <a:endParaRPr lang="en-US" dirty="0"/>
+          </a:p>
+        </p:txBody>
+      </p:sp>
+    </p:spTree>
+  </p:cSld>
+  <p:clrMapOvr>
+    <a:masterClrMapping/>
+  </p:clrMapOvr>
+  <p:timing>
+    <p:tnLst>
+      <p:par>
+        <p:cTn id="1" dur="indefinite" restart="never" nodeType="tmRoot"/>
+      </p:par>
+    </p:tnLst>
+  </p:timing>
+</p:sld>
+</file>
+
+<file path=ppt/slides/slide12.xml><?xml version="1.0" encoding="utf-8"?>
+<p:sld xmlns:a="http://schemas.openxmlformats.org/drawingml/2006/main" xmlns:r="http://schemas.openxmlformats.org/officeDocument/2006/relationships" xmlns:p="http://schemas.openxmlformats.org/presentationml/2006/main">
+  <p:cSld>
+    <p:spTree>
+      <p:nvGrpSpPr>
+        <p:cNvPr id="1" name=""/>
+        <p:cNvGrpSpPr/>
+        <p:nvPr/>
+      </p:nvGrpSpPr>
+      <p:grpSpPr>
+        <a:xfrm>
+          <a:off x="0" y="0"/>
+          <a:ext cx="0" cy="0"/>
+          <a:chOff x="0" y="0"/>
+          <a:chExt cx="0" cy="0"/>
+        </a:xfrm>
+      </p:grpSpPr>
+      <p:sp>
+        <p:nvSpPr>
+          <p:cNvPr id="2" name="Title 1"/>
+          <p:cNvSpPr>
+            <a:spLocks noGrp="1"/>
+          </p:cNvSpPr>
+          <p:nvPr>
+            <p:ph type="title"/>
+          </p:nvPr>
+        </p:nvSpPr>
+        <p:spPr/>
+        <p:txBody>
+          <a:bodyPr/>
+          <a:lstStyle/>
+          <a:p>
+            <a:endParaRPr lang="en-US"/>
+          </a:p>
+        </p:txBody>
+      </p:sp>
+      <p:sp>
+        <p:nvSpPr>
+          <p:cNvPr id="3" name="Content Placeholder 2"/>
+          <p:cNvSpPr>
+            <a:spLocks noGrp="1"/>
+          </p:cNvSpPr>
+          <p:nvPr>
+            <p:ph idx="1"/>
+          </p:nvPr>
+        </p:nvSpPr>
+        <p:spPr/>
+        <p:txBody>
+          <a:bodyPr/>
+          <a:lstStyle/>
+          <a:p>
+            <a:endParaRPr lang="en-US"/>
+          </a:p>
+        </p:txBody>
+      </p:sp>
+    </p:spTree>
+  </p:cSld>
+  <p:clrMapOvr>
+    <a:masterClrMapping/>
+  </p:clrMapOvr>
+</p:sld>
+</file>
+
+<file path=ppt/slides/slide13.xml><?xml version="1.0" encoding="utf-8"?>
+<p:sld xmlns:a="http://schemas.openxmlformats.org/drawingml/2006/main" xmlns:r="http://schemas.openxmlformats.org/officeDocument/2006/relationships" xmlns:p="http://schemas.openxmlformats.org/presentationml/2006/main">
+  <p:cSld>
+    <p:spTree>
+      <p:nvGrpSpPr>
+        <p:cNvPr id="1" name=""/>
+        <p:cNvGrpSpPr/>
+        <p:nvPr/>
+      </p:nvGrpSpPr>
+      <p:grpSpPr>
+        <a:xfrm>
+          <a:off x="0" y="0"/>
+          <a:ext cx="0" cy="0"/>
+          <a:chOff x="0" y="0"/>
+          <a:chExt cx="0" cy="0"/>
+        </a:xfrm>
+      </p:grpSpPr>
+      <p:sp>
+        <p:nvSpPr>
+          <p:cNvPr id="2" name="Title 1"/>
+          <p:cNvSpPr>
+            <a:spLocks noGrp="1"/>
+          </p:cNvSpPr>
+          <p:nvPr>
+            <p:ph type="title"/>
+          </p:nvPr>
+        </p:nvSpPr>
+        <p:spPr/>
+        <p:txBody>
+          <a:bodyPr/>
+          <a:lstStyle/>
+          <a:p>
+            <a:r>
+              <a:rPr lang="vi-VN" dirty="0" smtClean="0"/>
+              <a:t>Các bước đề xuất xử lý câu hỏi</a:t>
+            </a:r>
+            <a:endParaRPr lang="en-US" dirty="0"/>
+          </a:p>
+        </p:txBody>
+      </p:sp>
+      <p:sp>
+        <p:nvSpPr>
+          <p:cNvPr id="3" name="Content Placeholder 2"/>
+          <p:cNvSpPr>
+            <a:spLocks noGrp="1"/>
+          </p:cNvSpPr>
+          <p:nvPr>
+            <p:ph idx="1"/>
+          </p:nvPr>
+        </p:nvSpPr>
+        <p:spPr/>
+        <p:txBody>
+          <a:bodyPr/>
+          <a:lstStyle/>
+          <a:p>
+            <a:pPr algn="just"/>
+            <a:r>
+              <a:rPr lang="vi-VN" dirty="0" smtClean="0"/>
+              <a:t>Mục tiêu: rút được các bộ ba quan hệ &lt;subject-predicate-object&gt; trong câu hỏi. Chuyển chúng thành một câu lệnh SQL duy nhất.</a:t>
+            </a:r>
+          </a:p>
+          <a:p>
+            <a:pPr algn="just"/>
+            <a:r>
+              <a:rPr lang="vi-VN" dirty="0" smtClean="0"/>
+              <a:t>Sử dụng luật nhãn từ loại để rút bộ ba thay vì phân tích cú pháp câu hỏi, nhằm tránh trường hợp câu hỏi nhập nhằng và sai cú pháp.</a:t>
+            </a:r>
+            <a:endParaRPr lang="en-US" dirty="0"/>
+          </a:p>
+        </p:txBody>
+      </p:sp>
+    </p:spTree>
+  </p:cSld>
+  <p:clrMapOvr>
+    <a:masterClrMapping/>
+  </p:clrMapOvr>
+</p:sld>
+</file>
+
+<file path=ppt/slides/slide14.xml><?xml version="1.0" encoding="utf-8"?>
+<p:sld xmlns:a="http://schemas.openxmlformats.org/drawingml/2006/main" xmlns:r="http://schemas.openxmlformats.org/officeDocument/2006/relationships" xmlns:p="http://schemas.openxmlformats.org/presentationml/2006/main">
+  <p:cSld>
+    <p:spTree>
+      <p:nvGrpSpPr>
+        <p:cNvPr id="1" name=""/>
+        <p:cNvGrpSpPr/>
+        <p:nvPr/>
+      </p:nvGrpSpPr>
+      <p:grpSpPr>
+        <a:xfrm>
+          <a:off x="0" y="0"/>
+          <a:ext cx="0" cy="0"/>
+          <a:chOff x="0" y="0"/>
+          <a:chExt cx="0" cy="0"/>
+        </a:xfrm>
+      </p:grpSpPr>
+      <p:sp>
+        <p:nvSpPr>
+          <p:cNvPr id="2" name="Title 1"/>
+          <p:cNvSpPr>
+            <a:spLocks noGrp="1"/>
+          </p:cNvSpPr>
+          <p:nvPr>
+            <p:ph type="title"/>
+          </p:nvPr>
+        </p:nvSpPr>
+        <p:spPr/>
+        <p:txBody>
+          <a:bodyPr/>
+          <a:lstStyle/>
+          <a:p>
+            <a:r>
+              <a:rPr lang="vi-VN" dirty="0" smtClean="0"/>
+              <a:t>Các bước đề xuất xử lý câu hỏi</a:t>
+            </a:r>
+            <a:endParaRPr lang="en-US" dirty="0"/>
+          </a:p>
+        </p:txBody>
+      </p:sp>
+      <p:sp>
+        <p:nvSpPr>
+          <p:cNvPr id="3" name="Content Placeholder 2"/>
+          <p:cNvSpPr>
+            <a:spLocks noGrp="1"/>
+          </p:cNvSpPr>
+          <p:nvPr>
+            <p:ph idx="1"/>
+          </p:nvPr>
+        </p:nvSpPr>
+        <p:spPr/>
+        <p:txBody>
+          <a:bodyPr/>
+          <a:lstStyle/>
+          <a:p>
+            <a:endParaRPr lang="en-US" dirty="0"/>
+          </a:p>
+        </p:txBody>
+      </p:sp>
+      <p:pic>
+        <p:nvPicPr>
+          <p:cNvPr id="5122" name="Picture 3" descr="C:\Users\Hoang\Desktop\filnalproject\De Cuong\cac buoc\process steps.jpg"/>
+          <p:cNvPicPr>
+            <a:picLocks noChangeAspect="1" noChangeArrowheads="1"/>
+          </p:cNvPicPr>
+          <p:nvPr/>
+        </p:nvPicPr>
+        <p:blipFill>
+          <a:blip r:embed="rId3"/>
+          <a:srcRect/>
+          <a:stretch>
+            <a:fillRect/>
+          </a:stretch>
+        </p:blipFill>
+        <p:spPr bwMode="auto">
+          <a:xfrm>
+            <a:off x="914400" y="914400"/>
+            <a:ext cx="7315200" cy="5105400"/>
+          </a:xfrm>
+          <a:prstGeom prst="rect">
+            <a:avLst/>
+          </a:prstGeom>
+          <a:noFill/>
+          <a:ln w="9525">
+            <a:noFill/>
+            <a:miter lim="800000"/>
+            <a:headEnd/>
+            <a:tailEnd/>
+          </a:ln>
+        </p:spPr>
+      </p:pic>
+      <p:sp>
+        <p:nvSpPr>
+          <p:cNvPr id="6" name="Rectangle 5"/>
+          <p:cNvSpPr/>
+          <p:nvPr/>
+        </p:nvSpPr>
+        <p:spPr>
+          <a:xfrm>
+            <a:off x="914400" y="6019800"/>
+            <a:ext cx="7010400" cy="369332"/>
+          </a:xfrm>
+          <a:prstGeom prst="rect">
+            <a:avLst/>
+          </a:prstGeom>
+        </p:spPr>
+        <p:txBody>
+          <a:bodyPr wrap="square">
+            <a:spAutoFit/>
+          </a:bodyPr>
+          <a:lstStyle/>
+          <a:p>
+            <a:r>
+              <a:rPr lang="vi-VN" dirty="0" smtClean="0"/>
+              <a:t>Hình </a:t>
+            </a:r>
+            <a:r>
+              <a:rPr lang="vi-VN" dirty="0" smtClean="0"/>
+              <a:t>4 </a:t>
+            </a:r>
+            <a:r>
+              <a:rPr lang="vi-VN" dirty="0" smtClean="0"/>
+              <a:t>– Mô hình minh họa các bước xử lý câu hỏi người dùng</a:t>
+            </a:r>
+            <a:endParaRPr lang="en-US" dirty="0"/>
+          </a:p>
+        </p:txBody>
+      </p:sp>
+    </p:spTree>
+  </p:cSld>
+  <p:clrMapOvr>
+    <a:masterClrMapping/>
+  </p:clrMapOvr>
+  <p:timing>
+    <p:tnLst>
+      <p:par>
+        <p:cTn id="1" dur="indefinite" restart="never" nodeType="tmRoot"/>
+      </p:par>
+    </p:tnLst>
+  </p:timing>
+</p:sld>
+</file>
+
+<file path=ppt/slides/slide15.xml><?xml version="1.0" encoding="utf-8"?>
+<p:sld xmlns:a="http://schemas.openxmlformats.org/drawingml/2006/main" xmlns:r="http://schemas.openxmlformats.org/officeDocument/2006/relationships" xmlns:p="http://schemas.openxmlformats.org/presentationml/2006/main">
+  <p:cSld>
+    <p:spTree>
+      <p:nvGrpSpPr>
+        <p:cNvPr id="1" name=""/>
+        <p:cNvGrpSpPr/>
+        <p:nvPr/>
+      </p:nvGrpSpPr>
+      <p:grpSpPr>
+        <a:xfrm>
+          <a:off x="0" y="0"/>
+          <a:ext cx="0" cy="0"/>
+          <a:chOff x="0" y="0"/>
+          <a:chExt cx="0" cy="0"/>
+        </a:xfrm>
+      </p:grpSpPr>
+      <p:sp>
+        <p:nvSpPr>
+          <p:cNvPr id="2" name="Title 1"/>
+          <p:cNvSpPr>
+            <a:spLocks noGrp="1"/>
+          </p:cNvSpPr>
+          <p:nvPr>
+            <p:ph type="title"/>
+          </p:nvPr>
+        </p:nvSpPr>
+        <p:spPr/>
+        <p:txBody>
+          <a:bodyPr/>
+          <a:lstStyle/>
+          <a:p>
+            <a:r>
+              <a:rPr lang="en-US" dirty="0" err="1" smtClean="0"/>
+              <a:t>Các</a:t>
+            </a:r>
+            <a:r>
+              <a:rPr lang="en-US" dirty="0" smtClean="0"/>
+              <a:t> </a:t>
+            </a:r>
+            <a:r>
+              <a:rPr lang="en-US" dirty="0" err="1" smtClean="0"/>
+              <a:t>tài</a:t>
+            </a:r>
+            <a:r>
+              <a:rPr lang="en-US" dirty="0" smtClean="0"/>
+              <a:t> </a:t>
+            </a:r>
+            <a:r>
+              <a:rPr lang="en-US" dirty="0" err="1" smtClean="0"/>
+              <a:t>liệu</a:t>
+            </a:r>
+            <a:r>
+              <a:rPr lang="en-US" dirty="0" smtClean="0"/>
+              <a:t> </a:t>
+            </a:r>
+            <a:r>
+              <a:rPr lang="en-US" dirty="0" err="1" smtClean="0"/>
+              <a:t>tham</a:t>
+            </a:r>
+            <a:r>
+              <a:rPr lang="en-US" dirty="0" smtClean="0"/>
+              <a:t> </a:t>
+            </a:r>
+            <a:r>
+              <a:rPr lang="en-US" dirty="0" err="1" smtClean="0"/>
+              <a:t>khảo</a:t>
+            </a:r>
+            <a:endParaRPr lang="en-US" dirty="0"/>
+          </a:p>
+        </p:txBody>
+      </p:sp>
+      <p:sp>
+        <p:nvSpPr>
+          <p:cNvPr id="3" name="Content Placeholder 2"/>
+          <p:cNvSpPr>
+            <a:spLocks noGrp="1"/>
+          </p:cNvSpPr>
+          <p:nvPr>
+            <p:ph idx="1"/>
+          </p:nvPr>
+        </p:nvSpPr>
+        <p:spPr>
+          <a:xfrm>
+            <a:off x="457200" y="1219200"/>
+            <a:ext cx="8534400" cy="5181600"/>
+          </a:xfrm>
+        </p:spPr>
+        <p:txBody>
+          <a:bodyPr/>
+          <a:lstStyle/>
+          <a:p>
+            <a:endParaRPr lang="en-US" sz="2400" dirty="0" smtClean="0"/>
+          </a:p>
+          <a:p>
+            <a:endParaRPr lang="en-US" dirty="0"/>
+          </a:p>
+        </p:txBody>
+      </p:sp>
+    </p:spTree>
+  </p:cSld>
+  <p:clrMapOvr>
+    <a:masterClrMapping/>
+  </p:clrMapOvr>
+  <p:timing>
+    <p:tnLst>
+      <p:par>
+        <p:cTn id="1" dur="indefinite" restart="never" nodeType="tmRoot"/>
+      </p:par>
+    </p:tnLst>
+  </p:timing>
+</p:sld>
+</file>
+
+<file path=ppt/slides/slide16.xml><?xml version="1.0" encoding="utf-8"?>
+<p:sld xmlns:a="http://schemas.openxmlformats.org/drawingml/2006/main" xmlns:r="http://schemas.openxmlformats.org/officeDocument/2006/relationships" xmlns:p="http://schemas.openxmlformats.org/presentationml/2006/main">
+  <p:cSld>
+    <p:spTree>
+      <p:nvGrpSpPr>
+        <p:cNvPr id="1" name=""/>
+        <p:cNvGrpSpPr/>
+        <p:nvPr/>
+      </p:nvGrpSpPr>
+      <p:grpSpPr>
+        <a:xfrm>
+          <a:off x="0" y="0"/>
+          <a:ext cx="0" cy="0"/>
+          <a:chOff x="0" y="0"/>
+          <a:chExt cx="0" cy="0"/>
+        </a:xfrm>
+      </p:grpSpPr>
+      <p:sp>
+        <p:nvSpPr>
           <p:cNvPr id="28678" name="Rectangle 6"/>
           <p:cNvSpPr>
             <a:spLocks noGrp="1" noChangeArrowheads="1"/>
@@ -6940,7 +7934,31 @@
                   <a:schemeClr val="bg1"/>
                 </a:solidFill>
               </a:rPr>
-              <a:t>Các bước đề xuất để xử lý câu hỏi tự nhiên</a:t>
+              <a:t>Các bước đề xuất để xử lý </a:t>
+            </a:r>
+            <a:r>
+              <a:rPr lang="en-US" sz="2400" b="1" dirty="0" err="1" smtClean="0">
+                <a:solidFill>
+                  <a:schemeClr val="bg1"/>
+                </a:solidFill>
+              </a:rPr>
+              <a:t>câu</a:t>
+            </a:r>
+            <a:r>
+              <a:rPr lang="en-US" sz="2400" b="1" dirty="0" smtClean="0">
+                <a:solidFill>
+                  <a:schemeClr val="bg1"/>
+                </a:solidFill>
+              </a:rPr>
+              <a:t> </a:t>
+            </a:r>
+            <a:r>
+              <a:rPr lang="en-US" sz="2400" b="1" dirty="0" err="1" smtClean="0">
+                <a:solidFill>
+                  <a:schemeClr val="bg1"/>
+                </a:solidFill>
+              </a:rPr>
+              <a:t>hỏi</a:t>
             </a:r>
             <a:endParaRPr lang="en-US" sz="2400" b="1" dirty="0">
               <a:solidFill>
@@ -11126,17 +12144,12 @@
               <a:rPr lang="vi-VN" dirty="0" smtClean="0"/>
               <a:t>Gán nhãn từ loại </a:t>
             </a:r>
-            <a:endParaRPr lang="vi-VN" dirty="0" smtClean="0"/>
           </a:p>
           <a:p>
             <a:pPr lvl="1"/>
             <a:r>
               <a:rPr lang="vi-VN" dirty="0" smtClean="0"/>
-              <a:t>Nhận </a:t>
-            </a:r>
-            <a:r>
-              <a:rPr lang="vi-VN" dirty="0" smtClean="0"/>
-              <a:t>diện thực thể đặt tên</a:t>
+              <a:t>Nhận diện thực thể đặt tên</a:t>
             </a:r>
           </a:p>
           <a:p>
@@ -11282,26 +12295,14 @@
           <a:p>
             <a:r>
               <a:rPr lang="vi-VN" dirty="0" smtClean="0"/>
-              <a:t>Một số khái niệm liên </a:t>
-            </a:r>
+              <a:t>Một số khái niệm liên quan</a:t>
+            </a:r>
+          </a:p>
+          <a:p>
+            <a:pPr lvl="1" algn="just"/>
             <a:r>
               <a:rPr lang="vi-VN" dirty="0" smtClean="0"/>
-              <a:t>quan</a:t>
-            </a:r>
-          </a:p>
-          <a:p>
-            <a:pPr lvl="1" algn="just"/>
-            <a:r>
-              <a:rPr lang="vi-VN" dirty="0" smtClean="0"/>
-              <a:t>Gán nhãn từ </a:t>
-            </a:r>
-            <a:r>
-              <a:rPr lang="vi-VN" dirty="0" smtClean="0"/>
-              <a:t>loại </a:t>
-            </a:r>
-            <a:r>
-              <a:rPr lang="vi-VN" dirty="0" smtClean="0"/>
-              <a:t>l</a:t>
+              <a:t>Gán nhãn từ loại l</a:t>
             </a:r>
             <a:r>
               <a:rPr lang="de-DE" dirty="0" smtClean="0"/>
@@ -11317,11 +12318,7 @@
             </a:r>
             <a:r>
               <a:rPr lang="vi-VN" dirty="0" smtClean="0"/>
-              <a:t> (tài liệu</a:t>
-            </a:r>
-            <a:r>
-              <a:rPr lang="vi-VN" dirty="0" smtClean="0"/>
-              <a:t>) [</a:t>
+              <a:t> (tài liệu) [</a:t>
             </a:r>
             <a:r>
               <a:rPr lang="vi-VN" dirty="0" smtClean="0">
@@ -11333,25 +12330,8 @@
             </a:r>
             <a:r>
               <a:rPr lang="vi-VN" dirty="0" smtClean="0"/>
-              <a:t>]. </a:t>
-            </a:r>
-            <a:r>
-              <a:rPr lang="vi-VN" dirty="0" smtClean="0"/>
-              <a:t>Một hình thức đơn giản </a:t>
-            </a:r>
-            <a:r>
-              <a:rPr lang="vi-VN" dirty="0" smtClean="0"/>
-              <a:t>là </a:t>
-            </a:r>
-            <a:r>
-              <a:rPr lang="vi-VN" dirty="0" smtClean="0"/>
-              <a:t>việc xác định các từ như danh từ, động từ, tính từ, trạng </a:t>
-            </a:r>
-            <a:r>
-              <a:rPr lang="vi-VN" dirty="0" smtClean="0"/>
-              <a:t>từ ...</a:t>
-            </a:r>
-            <a:endParaRPr lang="vi-VN" dirty="0" smtClean="0"/>
+              <a:t>]. Một hình thức đơn giản là việc xác định các từ như danh từ, động từ, tính từ, trạng từ ...</a:t>
+            </a:r>
           </a:p>
           <a:p>
             <a:pPr lvl="1"/>
@@ -11361,11 +12341,7 @@
             </a:r>
             <a:r>
               <a:rPr lang="de-DE" dirty="0" smtClean="0"/>
-              <a:t> là một công việc thuộc lĩnh vực trích xuất thông tin nhằm tìm kiếm, xác định và phân lớp các thành tố trong văn bản không cấu trúc thuộc vào các nhóm thực thể được xác định trước như tên người, tổ chức, vị trí</a:t>
-            </a:r>
-            <a:r>
-              <a:rPr lang="de-DE" dirty="0" smtClean="0"/>
-              <a:t>,</a:t>
+              <a:t> là một công việc thuộc lĩnh vực trích xuất thông tin nhằm tìm kiếm, xác định và phân lớp các thành tố trong văn bản không cấu trúc thuộc vào các nhóm thực thể được xác định trước như tên người, tổ chức, vị trí,</a:t>
             </a:r>
             <a:r>
               <a:rPr lang="vi-VN" dirty="0" smtClean="0"/>
@@ -11392,6 +12368,13 @@
   <p:clrMapOvr>
     <a:masterClrMapping/>
   </p:clrMapOvr>
+  <p:timing>
+    <p:tnLst>
+      <p:par>
+        <p:cTn id="1" dur="indefinite" restart="never" nodeType="tmRoot"/>
+      </p:par>
+    </p:tnLst>
+  </p:timing>
 </p:sld>
 </file>
 
@@ -11437,31 +12420,31 @@
             </a:r>
             <a:r>
               <a:rPr lang="en-US" dirty="0" err="1" smtClean="0"/>
-              <a:t>tài</a:t>
-            </a:r>
-            <a:r>
-              <a:rPr lang="en-US" dirty="0" smtClean="0"/>
-              <a:t> </a:t>
-            </a:r>
-            <a:r>
-              <a:rPr lang="en-US" dirty="0" err="1" smtClean="0"/>
-              <a:t>liệu</a:t>
-            </a:r>
-            <a:r>
-              <a:rPr lang="en-US" dirty="0" smtClean="0"/>
-              <a:t> </a:t>
-            </a:r>
-            <a:r>
-              <a:rPr lang="en-US" dirty="0" err="1" smtClean="0"/>
-              <a:t>tham</a:t>
-            </a:r>
-            <a:r>
-              <a:rPr lang="en-US" dirty="0" smtClean="0"/>
-              <a:t> </a:t>
-            </a:r>
-            <a:r>
-              <a:rPr lang="en-US" dirty="0" err="1" smtClean="0"/>
-              <a:t>khảo</a:t>
+              <a:t>nghiên</a:t>
+            </a:r>
+            <a:r>
+              <a:rPr lang="en-US" dirty="0" smtClean="0"/>
+              <a:t> </a:t>
+            </a:r>
+            <a:r>
+              <a:rPr lang="en-US" dirty="0" err="1" smtClean="0"/>
+              <a:t>cứu</a:t>
+            </a:r>
+            <a:r>
+              <a:rPr lang="en-US" dirty="0" smtClean="0"/>
+              <a:t> </a:t>
+            </a:r>
+            <a:r>
+              <a:rPr lang="en-US" dirty="0" err="1" smtClean="0"/>
+              <a:t>liên</a:t>
+            </a:r>
+            <a:r>
+              <a:rPr lang="en-US" dirty="0" smtClean="0"/>
+              <a:t> </a:t>
+            </a:r>
+            <a:r>
+              <a:rPr lang="en-US" dirty="0" err="1" smtClean="0"/>
+              <a:t>quan</a:t>
             </a:r>
             <a:endParaRPr lang="en-US" dirty="0"/>
           </a:p>
@@ -11477,17 +12460,129 @@
             <p:ph idx="1"/>
           </p:nvPr>
         </p:nvSpPr>
-        <p:spPr>
-          <a:xfrm>
-            <a:off x="457200" y="1219200"/>
-            <a:ext cx="8534400" cy="5181600"/>
-          </a:xfrm>
-        </p:spPr>
+        <p:spPr/>
         <p:txBody>
           <a:bodyPr/>
           <a:lstStyle/>
           <a:p>
-            <a:endParaRPr lang="en-US" sz="2400" dirty="0" smtClean="0"/>
+            <a:r>
+              <a:rPr lang="vi-VN" dirty="0" smtClean="0"/>
+              <a:t>Một số khái niệm liên quan</a:t>
+            </a:r>
+          </a:p>
+          <a:p>
+            <a:pPr lvl="1" algn="just"/>
+            <a:r>
+              <a:rPr lang="vi-VN" dirty="0" smtClean="0"/>
+              <a:t>Bộ ba quan hệ: Trong các web ngữ nghĩa hiện nay thường sử dụng mô hình lưu trữ RDF (</a:t>
+            </a:r>
+            <a:r>
+              <a:rPr lang="de-DE" dirty="0" smtClean="0"/>
+              <a:t>Resource Description Framework</a:t>
+            </a:r>
+            <a:r>
+              <a:rPr lang="vi-VN" dirty="0" smtClean="0"/>
+              <a:t>) [</a:t>
+            </a:r>
+            <a:r>
+              <a:rPr lang="vi-VN" dirty="0" smtClean="0">
+                <a:solidFill>
+                  <a:srgbClr val="FF0000"/>
+                </a:solidFill>
+              </a:rPr>
+              <a:t>ref</a:t>
+            </a:r>
+            <a:r>
+              <a:rPr lang="vi-VN" dirty="0" smtClean="0"/>
+              <a:t>]. RDF lưu trữ thông tin dữ liệu theo dạng các bộ ba &lt;subject-predicate- object&gt;. </a:t>
+            </a:r>
+            <a:endParaRPr lang="en-US" dirty="0"/>
+          </a:p>
+        </p:txBody>
+      </p:sp>
+      <p:pic>
+        <p:nvPicPr>
+          <p:cNvPr id="4098" name="Picture 3" descr="C:\Users\Hoang\Desktop\rdf-barber.png"/>
+          <p:cNvPicPr>
+            <a:picLocks noChangeAspect="1" noChangeArrowheads="1"/>
+          </p:cNvPicPr>
+          <p:nvPr/>
+        </p:nvPicPr>
+        <p:blipFill>
+          <a:blip r:embed="rId2"/>
+          <a:srcRect/>
+          <a:stretch>
+            <a:fillRect/>
+          </a:stretch>
+        </p:blipFill>
+        <p:spPr bwMode="auto">
+          <a:xfrm>
+            <a:off x="1219200" y="4114800"/>
+            <a:ext cx="6629400" cy="1981200"/>
+          </a:xfrm>
+          <a:prstGeom prst="rect">
+            <a:avLst/>
+          </a:prstGeom>
+          <a:noFill/>
+          <a:ln w="9525">
+            <a:noFill/>
+            <a:miter lim="800000"/>
+            <a:headEnd/>
+            <a:tailEnd/>
+          </a:ln>
+        </p:spPr>
+      </p:pic>
+      <p:sp>
+        <p:nvSpPr>
+          <p:cNvPr id="5" name="TextBox 4"/>
+          <p:cNvSpPr txBox="1"/>
+          <p:nvPr/>
+        </p:nvSpPr>
+        <p:spPr>
+          <a:xfrm>
+            <a:off x="1219200" y="6096000"/>
+            <a:ext cx="7239000" cy="646331"/>
+          </a:xfrm>
+          <a:prstGeom prst="rect">
+            <a:avLst/>
+          </a:prstGeom>
+          <a:noFill/>
+        </p:spPr>
+        <p:txBody>
+          <a:bodyPr wrap="square" rtlCol="0">
+            <a:spAutoFit/>
+          </a:bodyPr>
+          <a:lstStyle/>
+          <a:p>
+            <a:r>
+              <a:rPr lang="vi-VN" dirty="0" smtClean="0"/>
+              <a:t>Hình 1 - hình minh họa cho các bộ ba quan hệ </a:t>
+            </a:r>
+            <a:r>
+              <a:rPr lang="vi-VN" b="1" dirty="0" smtClean="0"/>
+              <a:t>(</a:t>
+            </a:r>
+            <a:r>
+              <a:rPr lang="vi-VN" dirty="0" smtClean="0"/>
+              <a:t>Hình lấy từ [</a:t>
+            </a:r>
+            <a:r>
+              <a:rPr lang="vi-VN" dirty="0" smtClean="0">
+                <a:solidFill>
+                  <a:srgbClr val="FF0000"/>
+                </a:solidFill>
+              </a:rPr>
+              <a:t>ref</a:t>
+            </a:r>
+            <a:r>
+              <a:rPr lang="vi-VN" dirty="0" smtClean="0"/>
+              <a:t>]</a:t>
+            </a:r>
+            <a:r>
+              <a:rPr lang="vi-VN" b="1" dirty="0" smtClean="0"/>
+              <a:t>)</a:t>
+            </a:r>
+            <a:endParaRPr lang="en-US" dirty="0" smtClean="0"/>
           </a:p>
           <a:p>
             <a:endParaRPr lang="en-US" dirty="0"/>
